--- a/documents/master_thesis/intermediate_presentation.pptx
+++ b/documents/master_thesis/intermediate_presentation.pptx
@@ -232,10 +232,10 @@
           <c:layoutTarget val="inner"/>
           <c:xMode val="edge"/>
           <c:yMode val="edge"/>
-          <c:x val="7.0492261403534692E-2"/>
-          <c:y val="7.2291994050370165E-2"/>
-          <c:w val="0.90972199652341768"/>
-          <c:h val="0.815399078983857"/>
+          <c:x val="8.2565139584824629E-2"/>
+          <c:y val="0.10697715947192832"/>
+          <c:w val="0.89760081126222868"/>
+          <c:h val="0.77537773426667456"/>
         </c:manualLayout>
       </c:layout>
       <c:scatterChart>
@@ -658,16 +658,99 @@
           <c:showPercent val="0"/>
           <c:showBubbleSize val="0"/>
         </c:dLbls>
-        <c:axId val="338155064"/>
-        <c:axId val="335003464"/>
+        <c:axId val="283126736"/>
+        <c:axId val="283123208"/>
       </c:scatterChart>
       <c:valAx>
-        <c:axId val="338155064"/>
+        <c:axId val="283126736"/>
         <c:scaling>
           <c:orientation val="minMax"/>
+          <c:max val="15"/>
+          <c:min val="1"/>
         </c:scaling>
         <c:delete val="0"/>
         <c:axPos val="b"/>
+        <c:title>
+          <c:tx>
+            <c:rich>
+              <a:bodyPr rot="0" spcFirstLastPara="1" vertOverflow="ellipsis" vert="horz" wrap="square" anchor="ctr" anchorCtr="1"/>
+              <a:lstStyle/>
+              <a:p>
+                <a:pPr>
+                  <a:defRPr sz="1330" b="0" i="0" u="none" strike="noStrike" kern="1200" baseline="0">
+                    <a:solidFill>
+                      <a:schemeClr val="tx1">
+                        <a:lumMod val="65000"/>
+                        <a:lumOff val="35000"/>
+                      </a:schemeClr>
+                    </a:solidFill>
+                    <a:latin typeface="+mn-lt"/>
+                    <a:ea typeface="+mn-ea"/>
+                    <a:cs typeface="+mn-cs"/>
+                  </a:defRPr>
+                </a:pPr>
+                <a:r>
+                  <a:rPr lang="en-US" dirty="0" err="1" smtClean="0">
+                    <a:solidFill>
+                      <a:schemeClr val="bg2"/>
+                    </a:solidFill>
+                  </a:rPr>
+                  <a:t>Anzahl</a:t>
+                </a:r>
+                <a:r>
+                  <a:rPr lang="en-US" dirty="0" smtClean="0">
+                    <a:solidFill>
+                      <a:schemeClr val="bg2"/>
+                    </a:solidFill>
+                  </a:rPr>
+                  <a:t> der </a:t>
+                </a:r>
+                <a:r>
+                  <a:rPr lang="en-US" dirty="0" err="1" smtClean="0">
+                    <a:solidFill>
+                      <a:schemeClr val="bg2"/>
+                    </a:solidFill>
+                  </a:rPr>
+                  <a:t>Koeffizienten</a:t>
+                </a:r>
+                <a:endParaRPr lang="en-US" dirty="0">
+                  <a:solidFill>
+                    <a:schemeClr val="bg2"/>
+                  </a:solidFill>
+                </a:endParaRPr>
+              </a:p>
+            </c:rich>
+          </c:tx>
+          <c:layout/>
+          <c:overlay val="0"/>
+          <c:spPr>
+            <a:noFill/>
+            <a:ln>
+              <a:noFill/>
+            </a:ln>
+            <a:effectLst/>
+          </c:spPr>
+          <c:txPr>
+            <a:bodyPr rot="0" spcFirstLastPara="1" vertOverflow="ellipsis" vert="horz" wrap="square" anchor="ctr" anchorCtr="1"/>
+            <a:lstStyle/>
+            <a:p>
+              <a:pPr>
+                <a:defRPr sz="1330" b="0" i="0" u="none" strike="noStrike" kern="1200" baseline="0">
+                  <a:solidFill>
+                    <a:schemeClr val="tx1">
+                      <a:lumMod val="65000"/>
+                      <a:lumOff val="35000"/>
+                    </a:schemeClr>
+                  </a:solidFill>
+                  <a:latin typeface="+mn-lt"/>
+                  <a:ea typeface="+mn-ea"/>
+                  <a:cs typeface="+mn-cs"/>
+                </a:defRPr>
+              </a:pPr>
+              <a:endParaRPr lang="en-US"/>
+            </a:p>
+          </c:txPr>
+        </c:title>
         <c:numFmt formatCode="General" sourceLinked="1"/>
         <c:majorTickMark val="out"/>
         <c:minorTickMark val="none"/>
@@ -699,12 +782,12 @@
             <a:endParaRPr lang="en-US"/>
           </a:p>
         </c:txPr>
-        <c:crossAx val="335003464"/>
+        <c:crossAx val="283123208"/>
         <c:crosses val="autoZero"/>
         <c:crossBetween val="midCat"/>
       </c:valAx>
       <c:valAx>
-        <c:axId val="335003464"/>
+        <c:axId val="283123208"/>
         <c:scaling>
           <c:orientation val="minMax"/>
           <c:max val="0.8"/>
@@ -726,6 +809,87 @@
             <a:effectLst/>
           </c:spPr>
         </c:majorGridlines>
+        <c:title>
+          <c:tx>
+            <c:rich>
+              <a:bodyPr rot="-5400000" spcFirstLastPara="1" vertOverflow="ellipsis" vert="horz" wrap="square" anchor="ctr" anchorCtr="1"/>
+              <a:lstStyle/>
+              <a:p>
+                <a:pPr>
+                  <a:defRPr sz="1330" b="0" i="0" u="none" strike="noStrike" kern="1200" baseline="0">
+                    <a:solidFill>
+                      <a:schemeClr val="tx1">
+                        <a:lumMod val="65000"/>
+                        <a:lumOff val="35000"/>
+                      </a:schemeClr>
+                    </a:solidFill>
+                    <a:latin typeface="+mn-lt"/>
+                    <a:ea typeface="+mn-ea"/>
+                    <a:cs typeface="+mn-cs"/>
+                  </a:defRPr>
+                </a:pPr>
+                <a:r>
+                  <a:rPr lang="en-US" dirty="0" smtClean="0">
+                    <a:solidFill>
+                      <a:schemeClr val="bg2"/>
+                    </a:solidFill>
+                  </a:rPr>
+                  <a:t>U</a:t>
+                </a:r>
+                <a:r>
+                  <a:rPr lang="en-US" baseline="-25000" dirty="0" smtClean="0">
+                    <a:solidFill>
+                      <a:schemeClr val="bg2"/>
+                    </a:solidFill>
+                  </a:rPr>
+                  <a:t>2</a:t>
+                </a:r>
+                <a:r>
+                  <a:rPr lang="en-US" baseline="0" dirty="0" smtClean="0">
+                    <a:solidFill>
+                      <a:schemeClr val="bg2"/>
+                    </a:solidFill>
+                  </a:rPr>
+                  <a:t> [V]</a:t>
+                </a:r>
+                <a:endParaRPr lang="en-US" baseline="0" dirty="0">
+                  <a:solidFill>
+                    <a:schemeClr val="bg2"/>
+                  </a:solidFill>
+                </a:endParaRPr>
+              </a:p>
+            </c:rich>
+          </c:tx>
+          <c:layout/>
+          <c:overlay val="0"/>
+          <c:spPr>
+            <a:noFill/>
+            <a:ln>
+              <a:noFill/>
+            </a:ln>
+            <a:effectLst/>
+          </c:spPr>
+          <c:txPr>
+            <a:bodyPr rot="-5400000" spcFirstLastPara="1" vertOverflow="ellipsis" vert="horz" wrap="square" anchor="ctr" anchorCtr="1"/>
+            <a:lstStyle/>
+            <a:p>
+              <a:pPr>
+                <a:defRPr sz="1330" b="0" i="0" u="none" strike="noStrike" kern="1200" baseline="0">
+                  <a:solidFill>
+                    <a:schemeClr val="tx1">
+                      <a:lumMod val="65000"/>
+                      <a:lumOff val="35000"/>
+                    </a:schemeClr>
+                  </a:solidFill>
+                  <a:latin typeface="+mn-lt"/>
+                  <a:ea typeface="+mn-ea"/>
+                  <a:cs typeface="+mn-cs"/>
+                </a:defRPr>
+              </a:pPr>
+              <a:endParaRPr lang="en-US"/>
+            </a:p>
+          </c:txPr>
+        </c:title>
         <c:numFmt formatCode="General" sourceLinked="1"/>
         <c:majorTickMark val="out"/>
         <c:minorTickMark val="none"/>
@@ -756,7 +920,7 @@
             <a:endParaRPr lang="en-US"/>
           </a:p>
         </c:txPr>
-        <c:crossAx val="338155064"/>
+        <c:crossAx val="283126736"/>
         <c:crosses val="autoZero"/>
         <c:crossBetween val="midCat"/>
       </c:valAx>
@@ -3597,7 +3761,7 @@
               <a:pPr>
                 <a:defRPr/>
               </a:pPr>
-              <a:t>06.01.2015</a:t>
+              <a:t>12.01.2015</a:t>
             </a:fld>
             <a:endParaRPr lang="de-DE" dirty="0"/>
           </a:p>
@@ -4003,7 +4167,7 @@
               <a:pPr>
                 <a:defRPr/>
               </a:pPr>
-              <a:t>06.01.2015</a:t>
+              <a:t>12.01.2015</a:t>
             </a:fld>
             <a:endParaRPr lang="de-DE" dirty="0"/>
           </a:p>
@@ -4357,7 +4521,7 @@
               <a:pPr>
                 <a:defRPr/>
               </a:pPr>
-              <a:t>06.01.2015</a:t>
+              <a:t>12.01.2015</a:t>
             </a:fld>
             <a:endParaRPr lang="de-DE" dirty="0"/>
           </a:p>
@@ -5685,7 +5849,7 @@
               <a:pPr>
                 <a:defRPr/>
               </a:pPr>
-              <a:t>06.01.2015</a:t>
+              <a:t>12.01.2015</a:t>
             </a:fld>
             <a:endParaRPr lang="de-DE" dirty="0"/>
           </a:p>
@@ -6454,8 +6618,8 @@
           </p:sp>
         </mc:Fallback>
       </mc:AlternateContent>
-      <mc:AlternateContent xmlns:mc="http://schemas.openxmlformats.org/markup-compatibility/2006">
-        <mc:Choice xmlns:a14="http://schemas.microsoft.com/office/drawing/2010/main" Requires="a14">
+      <mc:AlternateContent xmlns:mc="http://schemas.openxmlformats.org/markup-compatibility/2006" xmlns:a14="http://schemas.microsoft.com/office/drawing/2010/main">
+        <mc:Choice Requires="a14">
           <p:sp>
             <p:nvSpPr>
               <p:cNvPr id="3" name="TextBox 2"/>
@@ -7035,7 +7199,7 @@
             </p:txBody>
           </p:sp>
         </mc:Choice>
-        <mc:Fallback>
+        <mc:Fallback xmlns="">
           <p:sp>
             <p:nvSpPr>
               <p:cNvPr id="3" name="TextBox 2"/>
@@ -7130,7 +7294,6 @@
               <a:rPr lang="de-DE" altLang="de-DE" dirty="0" smtClean="0"/>
               <a:t>Auswertung der Spannungsfunktionen</a:t>
             </a:r>
-            <a:endParaRPr lang="de-DE" altLang="de-DE" dirty="0" smtClean="0"/>
           </a:p>
         </p:txBody>
       </p:sp>
@@ -7157,7 +7320,7 @@
               <a:pPr>
                 <a:defRPr/>
               </a:pPr>
-              <a:t>06.01.2015</a:t>
+              <a:t>12.01.2015</a:t>
             </a:fld>
             <a:endParaRPr lang="de-DE" dirty="0"/>
           </a:p>
@@ -7337,8 +7500,8 @@
           </a:p>
         </p:txBody>
       </p:sp>
-      <mc:AlternateContent xmlns:mc="http://schemas.openxmlformats.org/markup-compatibility/2006">
-        <mc:Choice xmlns:a14="http://schemas.microsoft.com/office/drawing/2010/main" Requires="a14">
+      <mc:AlternateContent xmlns:mc="http://schemas.openxmlformats.org/markup-compatibility/2006" xmlns:a14="http://schemas.microsoft.com/office/drawing/2010/main">
+        <mc:Choice Requires="a14">
           <p:sp>
             <p:nvSpPr>
               <p:cNvPr id="8" name="Textplatzhalter 2"/>
@@ -7368,7 +7531,7 @@
                     <m:sSub>
                       <m:sSubPr>
                         <m:ctrlPr>
-                          <a:rPr lang="en-US" altLang="de-DE" b="0" i="0" smtClean="0">
+                          <a:rPr lang="en-US" altLang="de-DE" b="0" i="1" smtClean="0">
                             <a:latin typeface="Cambria Math" panose="02040503050406030204" pitchFamily="18" charset="0"/>
                           </a:rPr>
                         </m:ctrlPr>
@@ -7556,12 +7719,11 @@
                   <a:rPr lang="de-DE" altLang="de-DE" dirty="0" smtClean="0"/>
                   <a:t> Epsilon Algorithmus</a:t>
                 </a:r>
-                <a:endParaRPr lang="de-DE" altLang="de-DE" dirty="0" smtClean="0"/>
               </a:p>
             </p:txBody>
           </p:sp>
         </mc:Choice>
-        <mc:Fallback>
+        <mc:Fallback xmlns="">
           <p:sp>
             <p:nvSpPr>
               <p:cNvPr id="8" name="Textplatzhalter 2"/>
@@ -7686,7 +7848,7 @@
               <a:pPr>
                 <a:defRPr/>
               </a:pPr>
-              <a:t>06.01.2015</a:t>
+              <a:t>12.01.2015</a:t>
             </a:fld>
             <a:endParaRPr lang="de-DE" dirty="0"/>
           </a:p>
@@ -7866,8 +8028,8 @@
           </a:p>
         </p:txBody>
       </p:sp>
-      <mc:AlternateContent xmlns:mc="http://schemas.openxmlformats.org/markup-compatibility/2006">
-        <mc:Choice xmlns:a14="http://schemas.microsoft.com/office/drawing/2010/main" Requires="a14">
+      <mc:AlternateContent xmlns:mc="http://schemas.openxmlformats.org/markup-compatibility/2006" xmlns:a14="http://schemas.microsoft.com/office/drawing/2010/main">
+        <mc:Choice Requires="a14">
           <p:sp>
             <p:nvSpPr>
               <p:cNvPr id="8" name="Textplatzhalter 2"/>
@@ -8238,7 +8400,7 @@
             </p:txBody>
           </p:sp>
         </mc:Choice>
-        <mc:Fallback>
+        <mc:Fallback xmlns="">
           <p:sp>
             <p:nvSpPr>
               <p:cNvPr id="8" name="Textplatzhalter 2"/>
@@ -8363,7 +8525,7 @@
               <a:pPr>
                 <a:defRPr/>
               </a:pPr>
-              <a:t>06.01.2015</a:t>
+              <a:t>12.01.2015</a:t>
             </a:fld>
             <a:endParaRPr lang="de-DE" dirty="0"/>
           </a:p>
@@ -8543,8 +8705,8 @@
           </a:p>
         </p:txBody>
       </p:sp>
-      <mc:AlternateContent xmlns:mc="http://schemas.openxmlformats.org/markup-compatibility/2006">
-        <mc:Choice xmlns:a14="http://schemas.microsoft.com/office/drawing/2010/main" Requires="a14">
+      <mc:AlternateContent xmlns:mc="http://schemas.openxmlformats.org/markup-compatibility/2006" xmlns:a14="http://schemas.microsoft.com/office/drawing/2010/main">
+        <mc:Choice Requires="a14">
           <p:sp>
             <p:nvSpPr>
               <p:cNvPr id="8" name="Textplatzhalter 2"/>
@@ -8832,7 +8994,7 @@
             </p:txBody>
           </p:sp>
         </mc:Choice>
-        <mc:Fallback>
+        <mc:Fallback xmlns="">
           <p:sp>
             <p:nvSpPr>
               <p:cNvPr id="8" name="Textplatzhalter 2"/>
@@ -8950,7 +9112,6 @@
               <a:rPr lang="de-DE" altLang="de-DE" dirty="0" smtClean="0"/>
               <a:t>HELM Zusammenfassung</a:t>
             </a:r>
-            <a:endParaRPr lang="de-DE" altLang="de-DE" dirty="0" smtClean="0"/>
           </a:p>
         </p:txBody>
       </p:sp>
@@ -8977,7 +9138,7 @@
               <a:pPr>
                 <a:defRPr/>
               </a:pPr>
-              <a:t>06.01.2015</a:t>
+              <a:t>12.01.2015</a:t>
             </a:fld>
             <a:endParaRPr lang="de-DE" dirty="0"/>
           </a:p>
@@ -9157,8 +9318,8 @@
           </a:p>
         </p:txBody>
       </p:sp>
-      <mc:AlternateContent xmlns:mc="http://schemas.openxmlformats.org/markup-compatibility/2006">
-        <mc:Choice xmlns:a14="http://schemas.microsoft.com/office/drawing/2010/main" Requires="a14">
+      <mc:AlternateContent xmlns:mc="http://schemas.openxmlformats.org/markup-compatibility/2006" xmlns:a14="http://schemas.microsoft.com/office/drawing/2010/main">
+        <mc:Choice Requires="a14">
           <p:sp>
             <p:nvSpPr>
               <p:cNvPr id="8" name="Textplatzhalter 2"/>
@@ -9363,7 +9524,7 @@
             </p:txBody>
           </p:sp>
         </mc:Choice>
-        <mc:Fallback>
+        <mc:Fallback xmlns="">
           <p:sp>
             <p:nvSpPr>
               <p:cNvPr id="8" name="Textplatzhalter 2"/>
@@ -9457,7 +9618,6 @@
               <a:rPr lang="de-DE" altLang="de-DE" dirty="0" smtClean="0"/>
               <a:t>HELM Beispiel</a:t>
             </a:r>
-            <a:endParaRPr lang="de-DE" altLang="de-DE" dirty="0" smtClean="0"/>
           </a:p>
         </p:txBody>
       </p:sp>
@@ -9484,7 +9644,7 @@
               <a:pPr>
                 <a:defRPr/>
               </a:pPr>
-              <a:t>06.01.2015</a:t>
+              <a:t>12.01.2015</a:t>
             </a:fld>
             <a:endParaRPr lang="de-DE" dirty="0"/>
           </a:p>
@@ -9664,8 +9824,8 @@
           </a:p>
         </p:txBody>
       </p:sp>
-      <mc:AlternateContent xmlns:mc="http://schemas.openxmlformats.org/markup-compatibility/2006">
-        <mc:Choice xmlns:a14="http://schemas.microsoft.com/office/drawing/2010/main" Requires="a14">
+      <mc:AlternateContent xmlns:mc="http://schemas.openxmlformats.org/markup-compatibility/2006" xmlns:a14="http://schemas.microsoft.com/office/drawing/2010/main">
+        <mc:Choice Requires="a14">
           <p:sp>
             <p:nvSpPr>
               <p:cNvPr id="8" name="Textplatzhalter 2"/>
@@ -9989,7 +10149,7 @@
             </p:txBody>
           </p:sp>
         </mc:Choice>
-        <mc:Fallback>
+        <mc:Fallback xmlns="">
           <p:sp>
             <p:nvSpPr>
               <p:cNvPr id="8" name="Textplatzhalter 2"/>
@@ -10107,7 +10267,6 @@
               <a:rPr lang="de-DE" altLang="de-DE" dirty="0" smtClean="0"/>
               <a:t>HELM Beispiel - Tableau</a:t>
             </a:r>
-            <a:endParaRPr lang="de-DE" altLang="de-DE" dirty="0" smtClean="0"/>
           </a:p>
         </p:txBody>
       </p:sp>
@@ -10134,7 +10293,7 @@
               <a:pPr>
                 <a:defRPr/>
               </a:pPr>
-              <a:t>06.01.2015</a:t>
+              <a:t>12.01.2015</a:t>
             </a:fld>
             <a:endParaRPr lang="de-DE" dirty="0"/>
           </a:p>
@@ -10338,8 +10497,8 @@
           </a:prstGeom>
         </p:spPr>
       </p:pic>
-      <mc:AlternateContent xmlns:mc="http://schemas.openxmlformats.org/markup-compatibility/2006">
-        <mc:Choice xmlns:a14="http://schemas.microsoft.com/office/drawing/2010/main" Requires="a14">
+      <mc:AlternateContent xmlns:mc="http://schemas.openxmlformats.org/markup-compatibility/2006" xmlns:a14="http://schemas.microsoft.com/office/drawing/2010/main">
+        <mc:Choice Requires="a14">
           <p:sp>
             <p:nvSpPr>
               <p:cNvPr id="9" name="Rectangle 8"/>
@@ -10361,6 +10520,7 @@
               </a:bodyPr>
               <a:lstStyle/>
               <a:p>
+                <a:pPr/>
                 <a14:m>
                   <m:oMathPara xmlns:m="http://schemas.openxmlformats.org/officeDocument/2006/math">
                     <m:oMathParaPr>
@@ -10447,7 +10607,7 @@
             </p:txBody>
           </p:sp>
         </mc:Choice>
-        <mc:Fallback>
+        <mc:Fallback xmlns="">
           <p:sp>
             <p:nvSpPr>
               <p:cNvPr id="9" name="Rectangle 8"/>
@@ -10542,7 +10702,6 @@
               <a:rPr lang="de-DE" altLang="de-DE" dirty="0" smtClean="0"/>
               <a:t>HELM Beispiel - Ergebnisse</a:t>
             </a:r>
-            <a:endParaRPr lang="de-DE" altLang="de-DE" dirty="0" smtClean="0"/>
           </a:p>
         </p:txBody>
       </p:sp>
@@ -10569,7 +10728,7 @@
               <a:pPr>
                 <a:defRPr/>
               </a:pPr>
-              <a:t>06.01.2015</a:t>
+              <a:t>12.01.2015</a:t>
             </a:fld>
             <a:endParaRPr lang="de-DE" dirty="0"/>
           </a:p>
@@ -10756,14 +10915,14 @@
           <p:nvPr>
             <p:extLst>
               <p:ext uri="{D42A27DB-BD31-4B8C-83A1-F6EECF244321}">
-                <p14:modId xmlns:p14="http://schemas.microsoft.com/office/powerpoint/2010/main" val="2278793061"/>
+                <p14:modId xmlns:p14="http://schemas.microsoft.com/office/powerpoint/2010/main" val="4114739125"/>
               </p:ext>
             </p:extLst>
           </p:nvPr>
         </p:nvGraphicFramePr>
         <p:xfrm>
           <a:off x="304800" y="1351280"/>
-          <a:ext cx="8122920" cy="4759960"/>
+          <a:ext cx="8382000" cy="4759960"/>
         </p:xfrm>
         <a:graphic>
           <a:graphicData uri="http://schemas.openxmlformats.org/drawingml/2006/chart">
@@ -10830,7 +10989,7 @@
             </a:pPr>
             <a:r>
               <a:rPr lang="de-DE" altLang="de-DE" dirty="0" smtClean="0"/>
-              <a:t>Zwischenstand</a:t>
+              <a:t>Bisherige Ergebnisse</a:t>
             </a:r>
             <a:endParaRPr lang="de-DE" altLang="de-DE" dirty="0"/>
           </a:p>
@@ -10859,7 +11018,7 @@
               <a:pPr>
                 <a:defRPr/>
               </a:pPr>
-              <a:t>06.01.2015</a:t>
+              <a:t>12.01.2015</a:t>
             </a:fld>
             <a:endParaRPr lang="de-DE" dirty="0"/>
           </a:p>
@@ -11051,343 +11210,487 @@
         </p:nvSpPr>
         <p:spPr>
           <a:xfrm>
-            <a:off x="508000" y="1828800"/>
-            <a:ext cx="8340725" cy="3489960"/>
+            <a:off x="508000" y="1524000"/>
+            <a:ext cx="8340725" cy="2138517"/>
+          </a:xfrm>
+          <a:ln w="63500" cap="rnd">
+            <a:solidFill>
+              <a:schemeClr val="bg1"/>
+            </a:solidFill>
+          </a:ln>
+        </p:spPr>
+        <p:txBody>
+          <a:bodyPr/>
+          <a:lstStyle/>
+          <a:p>
+            <a:r>
+              <a:rPr lang="en-US" altLang="de-DE" dirty="0" smtClean="0"/>
+              <a:t>HELM </a:t>
+            </a:r>
+            <a:r>
+              <a:rPr lang="en-US" altLang="de-DE" dirty="0" err="1" smtClean="0"/>
+              <a:t>ist</a:t>
+            </a:r>
+            <a:r>
+              <a:rPr lang="en-US" altLang="de-DE" dirty="0" smtClean="0"/>
+              <a:t> in der </a:t>
+            </a:r>
+            <a:r>
+              <a:rPr lang="en-US" altLang="de-DE" dirty="0" err="1" smtClean="0"/>
+              <a:t>Lage</a:t>
+            </a:r>
+            <a:r>
+              <a:rPr lang="en-US" altLang="de-DE" dirty="0" smtClean="0"/>
+              <a:t> </a:t>
+            </a:r>
+            <a:r>
+              <a:rPr lang="en-US" altLang="de-DE" dirty="0" err="1" smtClean="0"/>
+              <a:t>Netze</a:t>
+            </a:r>
+            <a:r>
+              <a:rPr lang="en-US" altLang="de-DE" dirty="0" smtClean="0"/>
+              <a:t> </a:t>
+            </a:r>
+            <a:r>
+              <a:rPr lang="en-US" altLang="de-DE" dirty="0" err="1" smtClean="0"/>
+              <a:t>beliebig</a:t>
+            </a:r>
+            <a:r>
+              <a:rPr lang="en-US" altLang="de-DE" dirty="0" smtClean="0"/>
+              <a:t> </a:t>
+            </a:r>
+            <a:r>
+              <a:rPr lang="en-US" altLang="de-DE" dirty="0" err="1" smtClean="0"/>
+              <a:t>nahe</a:t>
+            </a:r>
+            <a:r>
+              <a:rPr lang="en-US" altLang="de-DE" dirty="0" smtClean="0"/>
+              <a:t> an der </a:t>
+            </a:r>
+            <a:r>
+              <a:rPr lang="en-US" altLang="de-DE" dirty="0" err="1" smtClean="0"/>
+              <a:t>Stabilitätsgrenze</a:t>
+            </a:r>
+            <a:r>
+              <a:rPr lang="en-US" altLang="de-DE" dirty="0" smtClean="0"/>
+              <a:t> </a:t>
+            </a:r>
+            <a:r>
+              <a:rPr lang="en-US" altLang="de-DE" dirty="0" err="1" smtClean="0"/>
+              <a:t>zu</a:t>
+            </a:r>
+            <a:r>
+              <a:rPr lang="en-US" altLang="de-DE" dirty="0" smtClean="0"/>
+              <a:t> </a:t>
+            </a:r>
+            <a:r>
+              <a:rPr lang="en-US" altLang="de-DE" dirty="0" err="1" smtClean="0"/>
+              <a:t>berechnen</a:t>
+            </a:r>
+            <a:endParaRPr lang="en-US" altLang="de-DE" dirty="0" smtClean="0"/>
+          </a:p>
+          <a:p>
+            <a:r>
+              <a:rPr lang="en-US" altLang="de-DE" dirty="0" err="1" smtClean="0"/>
+              <a:t>Deutliche</a:t>
+            </a:r>
+            <a:r>
+              <a:rPr lang="en-US" altLang="de-DE" dirty="0" smtClean="0"/>
+              <a:t> </a:t>
+            </a:r>
+            <a:r>
+              <a:rPr lang="en-US" altLang="de-DE" dirty="0" err="1" smtClean="0"/>
+              <a:t>Verbesserung</a:t>
+            </a:r>
+            <a:r>
+              <a:rPr lang="en-US" altLang="de-DE" dirty="0" smtClean="0"/>
+              <a:t> des </a:t>
+            </a:r>
+            <a:r>
+              <a:rPr lang="en-US" altLang="de-DE" dirty="0" err="1" smtClean="0"/>
+              <a:t>Konvergenzverhaltens</a:t>
+            </a:r>
+            <a:r>
+              <a:rPr lang="en-US" altLang="de-DE" dirty="0" smtClean="0"/>
+              <a:t> </a:t>
+            </a:r>
+            <a:r>
+              <a:rPr lang="en-US" altLang="de-DE" dirty="0" err="1" smtClean="0"/>
+              <a:t>benötigt</a:t>
+            </a:r>
+            <a:r>
+              <a:rPr lang="en-US" altLang="de-DE" dirty="0" smtClean="0"/>
+              <a:t> </a:t>
+            </a:r>
+            <a:r>
+              <a:rPr lang="en-US" altLang="de-DE" dirty="0" err="1" smtClean="0"/>
+              <a:t>einen</a:t>
+            </a:r>
+            <a:r>
+              <a:rPr lang="en-US" altLang="de-DE" dirty="0" smtClean="0"/>
+              <a:t> </a:t>
+            </a:r>
+            <a:r>
+              <a:rPr lang="en-US" altLang="de-DE" dirty="0" err="1" smtClean="0"/>
+              <a:t>genaueren</a:t>
+            </a:r>
+            <a:r>
+              <a:rPr lang="en-US" altLang="de-DE" dirty="0" smtClean="0"/>
+              <a:t> </a:t>
+            </a:r>
+            <a:r>
+              <a:rPr lang="en-US" altLang="de-DE" dirty="0" err="1" smtClean="0"/>
+              <a:t>Gleitkommadatentyp</a:t>
+            </a:r>
+            <a:r>
+              <a:rPr lang="en-US" altLang="de-DE" dirty="0" smtClean="0"/>
+              <a:t> </a:t>
+            </a:r>
+            <a:r>
+              <a:rPr lang="en-US" altLang="de-DE" dirty="0" err="1" smtClean="0"/>
+              <a:t>als</a:t>
+            </a:r>
+            <a:r>
+              <a:rPr lang="en-US" altLang="de-DE" dirty="0" smtClean="0"/>
+              <a:t> double</a:t>
+            </a:r>
+          </a:p>
+          <a:p>
+            <a:r>
+              <a:rPr lang="en-US" altLang="de-DE" dirty="0" err="1" smtClean="0"/>
+              <a:t>Bei</a:t>
+            </a:r>
+            <a:r>
+              <a:rPr lang="en-US" altLang="de-DE" dirty="0" smtClean="0"/>
+              <a:t> </a:t>
+            </a:r>
+            <a:r>
+              <a:rPr lang="en-US" altLang="de-DE" dirty="0" err="1" smtClean="0"/>
+              <a:t>Verwendung</a:t>
+            </a:r>
+            <a:r>
+              <a:rPr lang="en-US" altLang="de-DE" dirty="0" smtClean="0"/>
+              <a:t> </a:t>
+            </a:r>
+            <a:r>
+              <a:rPr lang="en-US" altLang="de-DE" dirty="0" err="1" smtClean="0"/>
+              <a:t>eines</a:t>
+            </a:r>
+            <a:r>
+              <a:rPr lang="en-US" altLang="de-DE" dirty="0" smtClean="0"/>
+              <a:t> double </a:t>
+            </a:r>
+            <a:r>
+              <a:rPr lang="en-US" altLang="de-DE" dirty="0" err="1" smtClean="0"/>
+              <a:t>ist</a:t>
+            </a:r>
+            <a:r>
+              <a:rPr lang="en-US" altLang="de-DE" dirty="0" smtClean="0"/>
+              <a:t> </a:t>
+            </a:r>
+            <a:r>
+              <a:rPr lang="en-US" altLang="de-DE" dirty="0" err="1" smtClean="0"/>
+              <a:t>sowohl</a:t>
+            </a:r>
+            <a:r>
+              <a:rPr lang="en-US" altLang="de-DE" dirty="0" smtClean="0"/>
+              <a:t> die </a:t>
+            </a:r>
+            <a:r>
+              <a:rPr lang="en-US" altLang="de-DE" dirty="0" err="1" smtClean="0"/>
+              <a:t>Rechenzeit</a:t>
+            </a:r>
+            <a:r>
+              <a:rPr lang="en-US" altLang="de-DE" dirty="0" smtClean="0"/>
+              <a:t> </a:t>
+            </a:r>
+            <a:r>
+              <a:rPr lang="en-US" altLang="de-DE" dirty="0" err="1" smtClean="0"/>
+              <a:t>als</a:t>
+            </a:r>
+            <a:r>
+              <a:rPr lang="en-US" altLang="de-DE" dirty="0" smtClean="0"/>
+              <a:t> </a:t>
+            </a:r>
+            <a:r>
+              <a:rPr lang="en-US" altLang="de-DE" dirty="0" err="1" smtClean="0"/>
+              <a:t>auch</a:t>
+            </a:r>
+            <a:r>
+              <a:rPr lang="en-US" altLang="de-DE" dirty="0" smtClean="0"/>
+              <a:t> das </a:t>
+            </a:r>
+            <a:r>
+              <a:rPr lang="en-US" altLang="de-DE" dirty="0" err="1" smtClean="0"/>
+              <a:t>Konvergenzverhalten</a:t>
+            </a:r>
+            <a:r>
+              <a:rPr lang="en-US" altLang="de-DE" dirty="0" smtClean="0"/>
+              <a:t> </a:t>
+            </a:r>
+            <a:r>
+              <a:rPr lang="en-US" altLang="de-DE" dirty="0" err="1" smtClean="0"/>
+              <a:t>ähnlich</a:t>
+            </a:r>
+            <a:r>
+              <a:rPr lang="en-US" altLang="de-DE" dirty="0" smtClean="0"/>
+              <a:t> den </a:t>
+            </a:r>
+            <a:r>
+              <a:rPr lang="en-US" altLang="de-DE" dirty="0" err="1" smtClean="0"/>
+              <a:t>iterativen</a:t>
+            </a:r>
+            <a:r>
+              <a:rPr lang="en-US" altLang="de-DE" dirty="0" smtClean="0"/>
+              <a:t> </a:t>
+            </a:r>
+            <a:r>
+              <a:rPr lang="en-US" altLang="de-DE" dirty="0" err="1" smtClean="0"/>
+              <a:t>Verfahren</a:t>
+            </a:r>
+            <a:endParaRPr lang="en-US" altLang="de-DE" dirty="0" smtClean="0"/>
+          </a:p>
+        </p:txBody>
+      </p:sp>
+      <p:sp>
+        <p:nvSpPr>
+          <p:cNvPr id="2" name="Rectangle 1"/>
+          <p:cNvSpPr/>
+          <p:nvPr/>
+        </p:nvSpPr>
+        <p:spPr>
+          <a:xfrm>
+            <a:off x="508000" y="4673052"/>
+            <a:ext cx="8340725" cy="1015663"/>
+          </a:xfrm>
+          <a:prstGeom prst="rect">
+            <a:avLst/>
+          </a:prstGeom>
+          <a:ln w="63500" cap="rnd">
+            <a:solidFill>
+              <a:schemeClr val="bg1"/>
+            </a:solidFill>
+          </a:ln>
+        </p:spPr>
+        <p:txBody>
+          <a:bodyPr wrap="square">
+            <a:spAutoFit/>
+          </a:bodyPr>
+          <a:lstStyle/>
+          <a:p>
+            <a:pPr marL="342900" indent="-342900" algn="l">
+              <a:buFont typeface="Arial" panose="020B0604020202020204" pitchFamily="34" charset="0"/>
+              <a:buChar char="•"/>
+            </a:pPr>
+            <a:r>
+              <a:rPr lang="en-US" altLang="de-DE" dirty="0" err="1">
+                <a:solidFill>
+                  <a:schemeClr val="bg2"/>
+                </a:solidFill>
+              </a:rPr>
+              <a:t>Implementierung</a:t>
+            </a:r>
+            <a:r>
+              <a:rPr lang="en-US" altLang="de-DE" dirty="0">
+                <a:solidFill>
+                  <a:schemeClr val="bg2"/>
+                </a:solidFill>
+              </a:rPr>
+              <a:t> des Parsers </a:t>
+            </a:r>
+            <a:r>
+              <a:rPr lang="en-US" altLang="de-DE" dirty="0" err="1">
+                <a:solidFill>
+                  <a:schemeClr val="bg2"/>
+                </a:solidFill>
+              </a:rPr>
+              <a:t>für</a:t>
+            </a:r>
+            <a:r>
+              <a:rPr lang="en-US" altLang="de-DE" dirty="0">
+                <a:solidFill>
+                  <a:schemeClr val="bg2"/>
+                </a:solidFill>
+              </a:rPr>
+              <a:t> das </a:t>
+            </a:r>
+            <a:r>
+              <a:rPr lang="en-US" altLang="de-DE" dirty="0" err="1">
+                <a:solidFill>
+                  <a:schemeClr val="bg2"/>
+                </a:solidFill>
+              </a:rPr>
+              <a:t>Dateiformat</a:t>
+            </a:r>
+            <a:r>
+              <a:rPr lang="en-US" altLang="de-DE" dirty="0">
+                <a:solidFill>
+                  <a:schemeClr val="bg2"/>
+                </a:solidFill>
+              </a:rPr>
+              <a:t> von SINCAL </a:t>
+            </a:r>
+            <a:r>
+              <a:rPr lang="en-US" altLang="de-DE" dirty="0" err="1">
+                <a:solidFill>
+                  <a:schemeClr val="bg2"/>
+                </a:solidFill>
+              </a:rPr>
+              <a:t>ist</a:t>
+            </a:r>
+            <a:r>
+              <a:rPr lang="en-US" altLang="de-DE" dirty="0">
+                <a:solidFill>
+                  <a:schemeClr val="bg2"/>
+                </a:solidFill>
+              </a:rPr>
+              <a:t> </a:t>
+            </a:r>
+            <a:r>
+              <a:rPr lang="en-US" altLang="de-DE" dirty="0" err="1">
+                <a:solidFill>
+                  <a:schemeClr val="bg2"/>
+                </a:solidFill>
+              </a:rPr>
+              <a:t>abgeschlossen</a:t>
+            </a:r>
+            <a:endParaRPr lang="en-US" altLang="de-DE" dirty="0">
+              <a:solidFill>
+                <a:schemeClr val="bg2"/>
+              </a:solidFill>
+            </a:endParaRPr>
+          </a:p>
+          <a:p>
+            <a:pPr marL="342900" indent="-342900" algn="l">
+              <a:buFont typeface="Arial" panose="020B0604020202020204" pitchFamily="34" charset="0"/>
+              <a:buChar char="•"/>
+            </a:pPr>
+            <a:r>
+              <a:rPr lang="en-US" altLang="de-DE" i="1" dirty="0" err="1">
+                <a:solidFill>
+                  <a:schemeClr val="bg2"/>
+                </a:solidFill>
+              </a:rPr>
+              <a:t>Berechnung</a:t>
+            </a:r>
+            <a:r>
+              <a:rPr lang="en-US" altLang="de-DE" i="1" dirty="0">
+                <a:solidFill>
+                  <a:schemeClr val="bg2"/>
+                </a:solidFill>
+              </a:rPr>
+              <a:t> des </a:t>
+            </a:r>
+            <a:r>
+              <a:rPr lang="en-US" altLang="de-DE" i="1" dirty="0" err="1">
+                <a:solidFill>
+                  <a:schemeClr val="bg2"/>
+                </a:solidFill>
+              </a:rPr>
+              <a:t>deutschen</a:t>
+            </a:r>
+            <a:r>
+              <a:rPr lang="en-US" altLang="de-DE" i="1" dirty="0">
+                <a:solidFill>
+                  <a:schemeClr val="bg2"/>
+                </a:solidFill>
+              </a:rPr>
+              <a:t> </a:t>
+            </a:r>
+            <a:r>
+              <a:rPr lang="en-US" altLang="de-DE" i="1" dirty="0" err="1">
+                <a:solidFill>
+                  <a:schemeClr val="bg2"/>
+                </a:solidFill>
+              </a:rPr>
+              <a:t>Übertragungsnetzes</a:t>
+            </a:r>
+            <a:r>
+              <a:rPr lang="en-US" altLang="de-DE" i="1" dirty="0">
+                <a:solidFill>
+                  <a:schemeClr val="bg2"/>
+                </a:solidFill>
+              </a:rPr>
+              <a:t> </a:t>
+            </a:r>
+            <a:r>
+              <a:rPr lang="en-US" altLang="de-DE" i="1" dirty="0" err="1">
+                <a:solidFill>
+                  <a:schemeClr val="bg2"/>
+                </a:solidFill>
+              </a:rPr>
+              <a:t>steht</a:t>
+            </a:r>
+            <a:r>
+              <a:rPr lang="en-US" altLang="de-DE" i="1" dirty="0">
+                <a:solidFill>
+                  <a:schemeClr val="bg2"/>
+                </a:solidFill>
+              </a:rPr>
+              <a:t> </a:t>
+            </a:r>
+            <a:r>
+              <a:rPr lang="en-US" altLang="de-DE" i="1" dirty="0" err="1">
+                <a:solidFill>
+                  <a:schemeClr val="bg2"/>
+                </a:solidFill>
+              </a:rPr>
+              <a:t>noch</a:t>
+            </a:r>
+            <a:r>
+              <a:rPr lang="en-US" altLang="de-DE" i="1" dirty="0">
+                <a:solidFill>
+                  <a:schemeClr val="bg2"/>
+                </a:solidFill>
+              </a:rPr>
+              <a:t> </a:t>
+            </a:r>
+            <a:r>
+              <a:rPr lang="en-US" altLang="de-DE" i="1" dirty="0" err="1">
+                <a:solidFill>
+                  <a:schemeClr val="bg2"/>
+                </a:solidFill>
+              </a:rPr>
+              <a:t>aus</a:t>
+            </a:r>
+            <a:endParaRPr lang="de-DE" altLang="de-DE" i="1" dirty="0">
+              <a:solidFill>
+                <a:schemeClr val="bg2"/>
+              </a:solidFill>
+            </a:endParaRPr>
+          </a:p>
+        </p:txBody>
+      </p:sp>
+      <p:sp>
+        <p:nvSpPr>
+          <p:cNvPr id="9" name="Titel 1"/>
+          <p:cNvSpPr>
+            <a:spLocks noGrp="1"/>
+          </p:cNvSpPr>
+          <p:nvPr>
+            <p:ph type="title" idx="4294967295"/>
+          </p:nvPr>
+        </p:nvSpPr>
+        <p:spPr>
+          <a:xfrm>
+            <a:off x="508000" y="4037816"/>
+            <a:ext cx="8128000" cy="609600"/>
           </a:xfrm>
         </p:spPr>
         <p:txBody>
           <a:bodyPr/>
           <a:lstStyle/>
           <a:p>
-            <a:r>
-              <a:rPr lang="en-US" altLang="de-DE" dirty="0" smtClean="0"/>
-              <a:t>HELM </a:t>
-            </a:r>
-            <a:r>
-              <a:rPr lang="en-US" altLang="de-DE" dirty="0" err="1" smtClean="0"/>
-              <a:t>ist</a:t>
-            </a:r>
-            <a:r>
-              <a:rPr lang="en-US" altLang="de-DE" dirty="0" smtClean="0"/>
-              <a:t> in der </a:t>
-            </a:r>
-            <a:r>
-              <a:rPr lang="en-US" altLang="de-DE" dirty="0" err="1" smtClean="0"/>
-              <a:t>Lage</a:t>
-            </a:r>
-            <a:r>
-              <a:rPr lang="en-US" altLang="de-DE" dirty="0" smtClean="0"/>
-              <a:t> </a:t>
-            </a:r>
-            <a:r>
-              <a:rPr lang="en-US" altLang="de-DE" dirty="0" err="1" smtClean="0"/>
-              <a:t>Netze</a:t>
-            </a:r>
-            <a:r>
-              <a:rPr lang="en-US" altLang="de-DE" dirty="0" smtClean="0"/>
-              <a:t> </a:t>
-            </a:r>
-            <a:r>
-              <a:rPr lang="en-US" altLang="de-DE" dirty="0" err="1" smtClean="0"/>
-              <a:t>beliebig</a:t>
-            </a:r>
-            <a:r>
-              <a:rPr lang="en-US" altLang="de-DE" dirty="0" smtClean="0"/>
-              <a:t> </a:t>
-            </a:r>
-            <a:r>
-              <a:rPr lang="en-US" altLang="de-DE" dirty="0" err="1" smtClean="0"/>
-              <a:t>nahe</a:t>
-            </a:r>
-            <a:r>
-              <a:rPr lang="en-US" altLang="de-DE" dirty="0" smtClean="0"/>
-              <a:t> an der </a:t>
-            </a:r>
-            <a:r>
-              <a:rPr lang="en-US" altLang="de-DE" dirty="0" err="1" smtClean="0"/>
-              <a:t>Stabilitätsgrenze</a:t>
-            </a:r>
-            <a:r>
-              <a:rPr lang="en-US" altLang="de-DE" dirty="0" smtClean="0"/>
-              <a:t> </a:t>
-            </a:r>
-            <a:r>
-              <a:rPr lang="en-US" altLang="de-DE" dirty="0" err="1" smtClean="0"/>
-              <a:t>zu</a:t>
-            </a:r>
-            <a:r>
-              <a:rPr lang="en-US" altLang="de-DE" dirty="0" smtClean="0"/>
-              <a:t> </a:t>
-            </a:r>
-            <a:r>
-              <a:rPr lang="en-US" altLang="de-DE" dirty="0" err="1" smtClean="0"/>
-              <a:t>berechnen</a:t>
-            </a:r>
-            <a:endParaRPr lang="en-US" altLang="de-DE" dirty="0" smtClean="0"/>
-          </a:p>
-          <a:p>
-            <a:pPr lvl="1"/>
-            <a:r>
-              <a:rPr lang="en-US" altLang="de-DE" dirty="0" err="1" smtClean="0"/>
-              <a:t>Verbesserung</a:t>
-            </a:r>
-            <a:r>
-              <a:rPr lang="en-US" altLang="de-DE" dirty="0" smtClean="0"/>
-              <a:t> </a:t>
-            </a:r>
-            <a:r>
-              <a:rPr lang="en-US" altLang="de-DE" dirty="0" err="1" smtClean="0"/>
-              <a:t>im</a:t>
-            </a:r>
-            <a:r>
-              <a:rPr lang="en-US" altLang="de-DE" dirty="0" smtClean="0"/>
-              <a:t> </a:t>
-            </a:r>
-            <a:r>
-              <a:rPr lang="en-US" altLang="de-DE" dirty="0" err="1" smtClean="0"/>
-              <a:t>Konvergenzverhalten</a:t>
-            </a:r>
-            <a:r>
-              <a:rPr lang="en-US" altLang="de-DE" dirty="0" smtClean="0"/>
-              <a:t> </a:t>
-            </a:r>
-            <a:r>
-              <a:rPr lang="en-US" altLang="de-DE" dirty="0" err="1" smtClean="0"/>
-              <a:t>bedeutet</a:t>
-            </a:r>
-            <a:r>
-              <a:rPr lang="en-US" altLang="de-DE" dirty="0"/>
-              <a:t> </a:t>
-            </a:r>
-            <a:r>
-              <a:rPr lang="en-US" altLang="de-DE" dirty="0" err="1" smtClean="0"/>
-              <a:t>deutlich</a:t>
-            </a:r>
-            <a:r>
-              <a:rPr lang="en-US" altLang="de-DE" dirty="0" smtClean="0"/>
-              <a:t> </a:t>
-            </a:r>
-            <a:r>
-              <a:rPr lang="en-US" altLang="de-DE" dirty="0" err="1" smtClean="0"/>
-              <a:t>höheren</a:t>
-            </a:r>
-            <a:r>
-              <a:rPr lang="en-US" altLang="de-DE" dirty="0" smtClean="0"/>
-              <a:t> </a:t>
-            </a:r>
-            <a:r>
-              <a:rPr lang="en-US" altLang="de-DE" dirty="0" err="1" smtClean="0"/>
-              <a:t>Rechenaufwand</a:t>
-            </a:r>
-            <a:endParaRPr lang="en-US" altLang="de-DE" dirty="0" smtClean="0"/>
-          </a:p>
-          <a:p>
-            <a:r>
-              <a:rPr lang="en-US" altLang="de-DE" dirty="0" err="1" smtClean="0"/>
-              <a:t>Deutliche</a:t>
-            </a:r>
-            <a:r>
-              <a:rPr lang="en-US" altLang="de-DE" dirty="0" smtClean="0"/>
-              <a:t> </a:t>
-            </a:r>
-            <a:r>
-              <a:rPr lang="en-US" altLang="de-DE" dirty="0" err="1" smtClean="0"/>
-              <a:t>Verbesserung</a:t>
-            </a:r>
-            <a:r>
-              <a:rPr lang="en-US" altLang="de-DE" dirty="0" smtClean="0"/>
-              <a:t> des </a:t>
-            </a:r>
-            <a:r>
-              <a:rPr lang="en-US" altLang="de-DE" dirty="0" err="1" smtClean="0"/>
-              <a:t>Konvergenzverhaltens</a:t>
-            </a:r>
-            <a:r>
-              <a:rPr lang="en-US" altLang="de-DE" dirty="0" smtClean="0"/>
-              <a:t> </a:t>
-            </a:r>
-            <a:r>
-              <a:rPr lang="en-US" altLang="de-DE" dirty="0" err="1" smtClean="0"/>
-              <a:t>benötigt</a:t>
-            </a:r>
-            <a:r>
-              <a:rPr lang="en-US" altLang="de-DE" dirty="0" smtClean="0"/>
-              <a:t> </a:t>
-            </a:r>
-            <a:r>
-              <a:rPr lang="en-US" altLang="de-DE" dirty="0" err="1" smtClean="0"/>
-              <a:t>einen</a:t>
-            </a:r>
-            <a:r>
-              <a:rPr lang="en-US" altLang="de-DE" dirty="0" smtClean="0"/>
-              <a:t> </a:t>
-            </a:r>
-            <a:r>
-              <a:rPr lang="en-US" altLang="de-DE" dirty="0" err="1" smtClean="0"/>
-              <a:t>genaueren</a:t>
-            </a:r>
-            <a:r>
-              <a:rPr lang="en-US" altLang="de-DE" dirty="0" smtClean="0"/>
-              <a:t> </a:t>
-            </a:r>
-            <a:r>
-              <a:rPr lang="en-US" altLang="de-DE" dirty="0" err="1" smtClean="0"/>
-              <a:t>Gleitkommadatentyp</a:t>
-            </a:r>
-            <a:r>
-              <a:rPr lang="en-US" altLang="de-DE" dirty="0" smtClean="0"/>
-              <a:t> </a:t>
-            </a:r>
-            <a:r>
-              <a:rPr lang="en-US" altLang="de-DE" dirty="0" err="1" smtClean="0"/>
-              <a:t>als</a:t>
-            </a:r>
-            <a:r>
-              <a:rPr lang="en-US" altLang="de-DE" dirty="0" smtClean="0"/>
-              <a:t> double</a:t>
-            </a:r>
-          </a:p>
-          <a:p>
-            <a:r>
-              <a:rPr lang="en-US" altLang="de-DE" dirty="0" err="1" smtClean="0"/>
-              <a:t>Bei</a:t>
-            </a:r>
-            <a:r>
-              <a:rPr lang="en-US" altLang="de-DE" dirty="0" smtClean="0"/>
-              <a:t> </a:t>
-            </a:r>
-            <a:r>
-              <a:rPr lang="en-US" altLang="de-DE" dirty="0" err="1" smtClean="0"/>
-              <a:t>Verwendung</a:t>
-            </a:r>
-            <a:r>
-              <a:rPr lang="en-US" altLang="de-DE" dirty="0" smtClean="0"/>
-              <a:t> </a:t>
-            </a:r>
-            <a:r>
-              <a:rPr lang="en-US" altLang="de-DE" dirty="0" err="1" smtClean="0"/>
-              <a:t>eines</a:t>
-            </a:r>
-            <a:r>
-              <a:rPr lang="en-US" altLang="de-DE" dirty="0" smtClean="0"/>
-              <a:t> double </a:t>
-            </a:r>
-            <a:r>
-              <a:rPr lang="en-US" altLang="de-DE" dirty="0" err="1" smtClean="0"/>
-              <a:t>ist</a:t>
-            </a:r>
-            <a:r>
-              <a:rPr lang="en-US" altLang="de-DE" dirty="0" smtClean="0"/>
-              <a:t> </a:t>
-            </a:r>
-            <a:r>
-              <a:rPr lang="en-US" altLang="de-DE" dirty="0" err="1" smtClean="0"/>
-              <a:t>sowohl</a:t>
-            </a:r>
-            <a:r>
-              <a:rPr lang="en-US" altLang="de-DE" dirty="0" smtClean="0"/>
-              <a:t> die </a:t>
-            </a:r>
-            <a:r>
-              <a:rPr lang="en-US" altLang="de-DE" dirty="0" err="1" smtClean="0"/>
-              <a:t>Rechenzeit</a:t>
-            </a:r>
-            <a:r>
-              <a:rPr lang="en-US" altLang="de-DE" dirty="0" smtClean="0"/>
-              <a:t> </a:t>
-            </a:r>
-            <a:r>
-              <a:rPr lang="en-US" altLang="de-DE" dirty="0" err="1" smtClean="0"/>
-              <a:t>als</a:t>
-            </a:r>
-            <a:r>
-              <a:rPr lang="en-US" altLang="de-DE" dirty="0" smtClean="0"/>
-              <a:t> </a:t>
-            </a:r>
-            <a:r>
-              <a:rPr lang="en-US" altLang="de-DE" dirty="0" err="1" smtClean="0"/>
-              <a:t>auch</a:t>
-            </a:r>
-            <a:r>
-              <a:rPr lang="en-US" altLang="de-DE" dirty="0" smtClean="0"/>
-              <a:t> das </a:t>
-            </a:r>
-            <a:r>
-              <a:rPr lang="en-US" altLang="de-DE" dirty="0" err="1" smtClean="0"/>
-              <a:t>Konvergenzverhalten</a:t>
-            </a:r>
-            <a:r>
-              <a:rPr lang="en-US" altLang="de-DE" dirty="0" smtClean="0"/>
-              <a:t> </a:t>
-            </a:r>
-            <a:r>
-              <a:rPr lang="en-US" altLang="de-DE" dirty="0" err="1" smtClean="0"/>
-              <a:t>ähnlich</a:t>
-            </a:r>
-            <a:r>
-              <a:rPr lang="en-US" altLang="de-DE" dirty="0" smtClean="0"/>
-              <a:t> den </a:t>
-            </a:r>
-            <a:r>
-              <a:rPr lang="en-US" altLang="de-DE" dirty="0" err="1" smtClean="0"/>
-              <a:t>iterativen</a:t>
-            </a:r>
-            <a:r>
-              <a:rPr lang="en-US" altLang="de-DE" dirty="0" smtClean="0"/>
-              <a:t> </a:t>
-            </a:r>
-            <a:r>
-              <a:rPr lang="en-US" altLang="de-DE" dirty="0" err="1" smtClean="0"/>
-              <a:t>Verfahren</a:t>
-            </a:r>
-            <a:endParaRPr lang="en-US" altLang="de-DE" dirty="0" smtClean="0"/>
-          </a:p>
-          <a:p>
-            <a:r>
-              <a:rPr lang="en-US" altLang="de-DE" i="1" dirty="0" err="1" smtClean="0"/>
-              <a:t>Berechnung</a:t>
-            </a:r>
-            <a:r>
-              <a:rPr lang="en-US" altLang="de-DE" i="1" dirty="0" smtClean="0"/>
-              <a:t> des </a:t>
-            </a:r>
-            <a:r>
-              <a:rPr lang="en-US" altLang="de-DE" i="1" dirty="0" err="1" smtClean="0"/>
-              <a:t>deutschen</a:t>
-            </a:r>
-            <a:r>
-              <a:rPr lang="en-US" altLang="de-DE" i="1" dirty="0" smtClean="0"/>
-              <a:t> </a:t>
-            </a:r>
-            <a:r>
-              <a:rPr lang="en-US" altLang="de-DE" i="1" dirty="0" err="1" smtClean="0"/>
-              <a:t>Übertragungsnetzes</a:t>
-            </a:r>
-            <a:r>
-              <a:rPr lang="en-US" altLang="de-DE" i="1" dirty="0" smtClean="0"/>
-              <a:t> </a:t>
-            </a:r>
-            <a:r>
-              <a:rPr lang="en-US" altLang="de-DE" i="1" dirty="0" err="1" smtClean="0"/>
-              <a:t>steht</a:t>
-            </a:r>
-            <a:r>
-              <a:rPr lang="en-US" altLang="de-DE" i="1" dirty="0" smtClean="0"/>
-              <a:t> </a:t>
-            </a:r>
-            <a:r>
-              <a:rPr lang="en-US" altLang="de-DE" i="1" dirty="0" err="1" smtClean="0"/>
-              <a:t>noch</a:t>
-            </a:r>
-            <a:r>
-              <a:rPr lang="en-US" altLang="de-DE" i="1" dirty="0" smtClean="0"/>
-              <a:t> </a:t>
-            </a:r>
-            <a:r>
-              <a:rPr lang="en-US" altLang="de-DE" i="1" dirty="0" err="1" smtClean="0"/>
-              <a:t>aus</a:t>
-            </a:r>
-            <a:endParaRPr lang="de-DE" altLang="de-DE" i="1" dirty="0" smtClean="0"/>
+            <a:pPr>
+              <a:lnSpc>
+                <a:spcPct val="200000"/>
+              </a:lnSpc>
+            </a:pPr>
+            <a:r>
+              <a:rPr lang="de-DE" altLang="de-DE" dirty="0" smtClean="0"/>
+              <a:t>Zwischenstand</a:t>
+            </a:r>
+            <a:endParaRPr lang="de-DE" altLang="de-DE" dirty="0"/>
           </a:p>
         </p:txBody>
       </p:sp>
@@ -11451,7 +11754,7 @@
               <a:pPr>
                 <a:defRPr/>
               </a:pPr>
-              <a:t>06.01.2015</a:t>
+              <a:t>12.01.2015</a:t>
             </a:fld>
             <a:endParaRPr lang="de-DE" dirty="0"/>
           </a:p>
@@ -11975,7 +12278,7 @@
               <a:pPr>
                 <a:defRPr/>
               </a:pPr>
-              <a:t>06.01.2015</a:t>
+              <a:t>12.01.2015</a:t>
             </a:fld>
             <a:endParaRPr lang="de-DE" dirty="0"/>
           </a:p>
@@ -12280,7 +12583,7 @@
               <a:pPr>
                 <a:defRPr/>
               </a:pPr>
-              <a:t>06.01.2015</a:t>
+              <a:t>12.01.2015</a:t>
             </a:fld>
             <a:endParaRPr lang="de-DE" dirty="0"/>
           </a:p>
@@ -12842,7 +13145,7 @@
               <a:pPr>
                 <a:defRPr/>
               </a:pPr>
-              <a:t>06.01.2015</a:t>
+              <a:t>12.01.2015</a:t>
             </a:fld>
             <a:endParaRPr lang="de-DE" dirty="0"/>
           </a:p>
@@ -13208,7 +13511,7 @@
               <a:pPr>
                 <a:defRPr/>
               </a:pPr>
-              <a:t>06.01.2015</a:t>
+              <a:t>12.01.2015</a:t>
             </a:fld>
             <a:endParaRPr lang="de-DE" dirty="0"/>
           </a:p>
@@ -14241,8 +14544,8 @@
           </p:sp>
         </mc:Fallback>
       </mc:AlternateContent>
-      <mc:AlternateContent xmlns:mc="http://schemas.openxmlformats.org/markup-compatibility/2006" xmlns:a14="http://schemas.microsoft.com/office/drawing/2010/main">
-        <mc:Choice Requires="a14">
+      <mc:AlternateContent xmlns:mc="http://schemas.openxmlformats.org/markup-compatibility/2006">
+        <mc:Choice xmlns:a14="http://schemas.microsoft.com/office/drawing/2010/main" Requires="a14">
           <p:sp>
             <p:nvSpPr>
               <p:cNvPr id="2" name="TextBox 1"/>
@@ -14251,8 +14554,8 @@
             </p:nvSpPr>
             <p:spPr>
               <a:xfrm>
-                <a:off x="3632049" y="4839435"/>
-                <a:ext cx="1046312" cy="746936"/>
+                <a:off x="3339981" y="4839435"/>
+                <a:ext cx="1338380" cy="746936"/>
               </a:xfrm>
               <a:prstGeom prst="rect">
                 <a:avLst/>
@@ -14306,6 +14609,15 @@
                           </m:r>
                         </m:sub>
                       </m:sSub>
+                      <m:r>
+                        <a:rPr lang="en-US" b="0" i="1" smtClean="0">
+                          <a:solidFill>
+                            <a:srgbClr val="292929"/>
+                          </a:solidFill>
+                          <a:latin typeface="Cambria Math" panose="02040503050406030204" pitchFamily="18" charset="0"/>
+                        </a:rPr>
+                        <m:t>=</m:t>
+                      </m:r>
                       <m:nary>
                         <m:naryPr>
                           <m:chr m:val="∑"/>
@@ -14383,7 +14695,7 @@
             </p:txBody>
           </p:sp>
         </mc:Choice>
-        <mc:Fallback xmlns="">
+        <mc:Fallback>
           <p:sp>
             <p:nvSpPr>
               <p:cNvPr id="2" name="TextBox 1"/>
@@ -14394,8 +14706,8 @@
             </p:nvSpPr>
             <p:spPr>
               <a:xfrm>
-                <a:off x="3632049" y="4839435"/>
-                <a:ext cx="1046312" cy="746936"/>
+                <a:off x="3339981" y="4839435"/>
+                <a:ext cx="1338380" cy="746936"/>
               </a:xfrm>
               <a:prstGeom prst="rect">
                 <a:avLst/>
@@ -14531,7 +14843,7 @@
               <a:pPr>
                 <a:defRPr/>
               </a:pPr>
-              <a:t>06.01.2015</a:t>
+              <a:t>12.01.2015</a:t>
             </a:fld>
             <a:endParaRPr lang="de-DE" dirty="0"/>
           </a:p>
@@ -14711,8 +15023,8 @@
           </a:p>
         </p:txBody>
       </p:sp>
-      <mc:AlternateContent xmlns:mc="http://schemas.openxmlformats.org/markup-compatibility/2006">
-        <mc:Choice xmlns:a14="http://schemas.microsoft.com/office/drawing/2010/main" Requires="a14">
+      <mc:AlternateContent xmlns:mc="http://schemas.openxmlformats.org/markup-compatibility/2006" xmlns:a14="http://schemas.microsoft.com/office/drawing/2010/main">
+        <mc:Choice Requires="a14">
           <p:sp>
             <p:nvSpPr>
               <p:cNvPr id="3" name="TextBox 2"/>
@@ -15012,7 +15324,7 @@
             </p:txBody>
           </p:sp>
         </mc:Choice>
-        <mc:Fallback>
+        <mc:Fallback xmlns="">
           <p:sp>
             <p:nvSpPr>
               <p:cNvPr id="3" name="TextBox 2"/>
@@ -15086,8 +15398,8 @@
           </a:p>
         </p:txBody>
       </p:sp>
-      <mc:AlternateContent xmlns:mc="http://schemas.openxmlformats.org/markup-compatibility/2006">
-        <mc:Choice xmlns:a14="http://schemas.microsoft.com/office/drawing/2010/main" Requires="a14">
+      <mc:AlternateContent xmlns:mc="http://schemas.openxmlformats.org/markup-compatibility/2006" xmlns:a14="http://schemas.microsoft.com/office/drawing/2010/main">
+        <mc:Choice Requires="a14">
           <p:sp>
             <p:nvSpPr>
               <p:cNvPr id="12" name="TextBox 11"/>
@@ -15387,7 +15699,7 @@
             </p:txBody>
           </p:sp>
         </mc:Choice>
-        <mc:Fallback>
+        <mc:Fallback xmlns="">
           <p:sp>
             <p:nvSpPr>
               <p:cNvPr id="12" name="TextBox 11"/>
@@ -15453,8 +15765,8 @@
           </a:p>
         </p:txBody>
       </p:sp>
-      <mc:AlternateContent xmlns:mc="http://schemas.openxmlformats.org/markup-compatibility/2006">
-        <mc:Choice xmlns:a14="http://schemas.microsoft.com/office/drawing/2010/main" Requires="a14">
+      <mc:AlternateContent xmlns:mc="http://schemas.openxmlformats.org/markup-compatibility/2006" xmlns:a14="http://schemas.microsoft.com/office/drawing/2010/main">
+        <mc:Choice Requires="a14">
           <p:sp>
             <p:nvSpPr>
               <p:cNvPr id="14" name="TextBox 13"/>
@@ -15693,7 +16005,7 @@
             </p:txBody>
           </p:sp>
         </mc:Choice>
-        <mc:Fallback>
+        <mc:Fallback xmlns="">
           <p:sp>
             <p:nvSpPr>
               <p:cNvPr id="14" name="TextBox 13"/>
@@ -15814,7 +16126,7 @@
               <a:pPr>
                 <a:defRPr/>
               </a:pPr>
-              <a:t>06.01.2015</a:t>
+              <a:t>12.01.2015</a:t>
             </a:fld>
             <a:endParaRPr lang="de-DE" dirty="0"/>
           </a:p>
@@ -16775,7 +17087,7 @@
               <a:pPr>
                 <a:defRPr/>
               </a:pPr>
-              <a:t>06.01.2015</a:t>
+              <a:t>12.01.2015</a:t>
             </a:fld>
             <a:endParaRPr lang="de-DE" dirty="0"/>
           </a:p>
@@ -18161,7 +18473,7 @@
               <a:pPr>
                 <a:defRPr/>
               </a:pPr>
-              <a:t>06.01.2015</a:t>
+              <a:t>12.01.2015</a:t>
             </a:fld>
             <a:endParaRPr lang="de-DE" dirty="0"/>
           </a:p>

--- a/documents/master_thesis/intermediate_presentation.pptx
+++ b/documents/master_thesis/intermediate_presentation.pptx
@@ -221,7 +221,7 @@
               <a:cs typeface="+mn-cs"/>
             </a:defRPr>
           </a:pPr>
-          <a:endParaRPr lang="en-US"/>
+          <a:endParaRPr lang="de-DE"/>
         </a:p>
       </c:txPr>
     </c:title>
@@ -658,11 +658,11 @@
           <c:showPercent val="0"/>
           <c:showBubbleSize val="0"/>
         </c:dLbls>
-        <c:axId val="283126736"/>
-        <c:axId val="283123208"/>
+        <c:axId val="240985720"/>
+        <c:axId val="240983760"/>
       </c:scatterChart>
       <c:valAx>
-        <c:axId val="283126736"/>
+        <c:axId val="240985720"/>
         <c:scaling>
           <c:orientation val="minMax"/>
           <c:max val="15"/>
@@ -690,30 +690,14 @@
                   </a:defRPr>
                 </a:pPr>
                 <a:r>
-                  <a:rPr lang="en-US" dirty="0" err="1" smtClean="0">
+                  <a:rPr lang="de-DE" noProof="0" dirty="0" smtClean="0">
                     <a:solidFill>
                       <a:schemeClr val="bg2"/>
                     </a:solidFill>
                   </a:rPr>
-                  <a:t>Anzahl</a:t>
+                  <a:t>Anzahl der Koeffizienten</a:t>
                 </a:r>
-                <a:r>
-                  <a:rPr lang="en-US" dirty="0" smtClean="0">
-                    <a:solidFill>
-                      <a:schemeClr val="bg2"/>
-                    </a:solidFill>
-                  </a:rPr>
-                  <a:t> der </a:t>
-                </a:r>
-                <a:r>
-                  <a:rPr lang="en-US" dirty="0" err="1" smtClean="0">
-                    <a:solidFill>
-                      <a:schemeClr val="bg2"/>
-                    </a:solidFill>
-                  </a:rPr>
-                  <a:t>Koeffizienten</a:t>
-                </a:r>
-                <a:endParaRPr lang="en-US" dirty="0">
+                <a:endParaRPr lang="de-DE" noProof="0" dirty="0">
                   <a:solidFill>
                     <a:schemeClr val="bg2"/>
                   </a:solidFill>
@@ -747,7 +731,7 @@
                   <a:cs typeface="+mn-cs"/>
                 </a:defRPr>
               </a:pPr>
-              <a:endParaRPr lang="en-US"/>
+              <a:endParaRPr lang="de-DE"/>
             </a:p>
           </c:txPr>
         </c:title>
@@ -779,15 +763,15 @@
                 <a:cs typeface="+mn-cs"/>
               </a:defRPr>
             </a:pPr>
-            <a:endParaRPr lang="en-US"/>
+            <a:endParaRPr lang="de-DE"/>
           </a:p>
         </c:txPr>
-        <c:crossAx val="283123208"/>
+        <c:crossAx val="240983760"/>
         <c:crosses val="autoZero"/>
         <c:crossBetween val="midCat"/>
       </c:valAx>
       <c:valAx>
-        <c:axId val="283123208"/>
+        <c:axId val="240983760"/>
         <c:scaling>
           <c:orientation val="minMax"/>
           <c:max val="0.8"/>
@@ -886,7 +870,7 @@
                   <a:cs typeface="+mn-cs"/>
                 </a:defRPr>
               </a:pPr>
-              <a:endParaRPr lang="en-US"/>
+              <a:endParaRPr lang="de-DE"/>
             </a:p>
           </c:txPr>
         </c:title>
@@ -917,10 +901,10 @@
                 <a:cs typeface="+mn-cs"/>
               </a:defRPr>
             </a:pPr>
-            <a:endParaRPr lang="en-US"/>
+            <a:endParaRPr lang="de-DE"/>
           </a:p>
         </c:txPr>
-        <c:crossAx val="283126736"/>
+        <c:crossAx val="240985720"/>
         <c:crosses val="autoZero"/>
         <c:crossBetween val="midCat"/>
       </c:valAx>
@@ -969,7 +953,7 @@
               <a:cs typeface="+mn-cs"/>
             </a:defRPr>
           </a:pPr>
-          <a:endParaRPr lang="en-US"/>
+          <a:endParaRPr lang="de-DE"/>
         </a:p>
       </c:txPr>
     </c:legend>
@@ -991,7 +975,7 @@
       <a:pPr>
         <a:defRPr/>
       </a:pPr>
-      <a:endParaRPr lang="en-US"/>
+      <a:endParaRPr lang="de-DE"/>
     </a:p>
   </c:txPr>
   <c:externalData r:id="rId3">
@@ -1625,7 +1609,7 @@
             <a:pPr>
               <a:defRPr/>
             </a:pPr>
-            <a:endParaRPr lang="de-DE"/>
+            <a:endParaRPr lang="de-DE" dirty="0"/>
           </a:p>
         </p:txBody>
       </p:sp>
@@ -1673,7 +1657,7 @@
             <a:pPr>
               <a:defRPr/>
             </a:pPr>
-            <a:endParaRPr lang="de-DE"/>
+            <a:endParaRPr lang="de-DE" dirty="0"/>
           </a:p>
         </p:txBody>
       </p:sp>
@@ -1721,7 +1705,7 @@
             <a:pPr>
               <a:defRPr/>
             </a:pPr>
-            <a:endParaRPr lang="de-DE"/>
+            <a:endParaRPr lang="de-DE" dirty="0"/>
           </a:p>
         </p:txBody>
       </p:sp>
@@ -1769,7 +1753,7 @@
               <a:pPr/>
               <a:t>‹#›</a:t>
             </a:fld>
-            <a:endParaRPr lang="de-DE" altLang="de-DE"/>
+            <a:endParaRPr lang="de-DE" altLang="de-DE" dirty="0"/>
           </a:p>
         </p:txBody>
       </p:sp>
@@ -1853,7 +1837,7 @@
             <a:pPr>
               <a:defRPr/>
             </a:pPr>
-            <a:endParaRPr lang="de-DE"/>
+            <a:endParaRPr lang="de-DE" dirty="0"/>
           </a:p>
         </p:txBody>
       </p:sp>
@@ -1901,7 +1885,7 @@
             <a:pPr>
               <a:defRPr/>
             </a:pPr>
-            <a:endParaRPr lang="de-DE"/>
+            <a:endParaRPr lang="de-DE" dirty="0"/>
           </a:p>
         </p:txBody>
       </p:sp>
@@ -2058,7 +2042,7 @@
             <a:pPr>
               <a:defRPr/>
             </a:pPr>
-            <a:endParaRPr lang="de-DE"/>
+            <a:endParaRPr lang="de-DE" dirty="0"/>
           </a:p>
         </p:txBody>
       </p:sp>
@@ -2106,7 +2090,7 @@
               <a:pPr/>
               <a:t>‹#›</a:t>
             </a:fld>
-            <a:endParaRPr lang="de-DE" altLang="de-DE"/>
+            <a:endParaRPr lang="de-DE" altLang="de-DE" dirty="0"/>
           </a:p>
         </p:txBody>
       </p:sp>
@@ -2287,7 +2271,7 @@
           <a:bodyPr/>
           <a:lstStyle/>
           <a:p>
-            <a:endParaRPr lang="en-US"/>
+            <a:endParaRPr lang="en-US" dirty="0"/>
           </a:p>
         </p:txBody>
       </p:sp>
@@ -2311,7 +2295,7 @@
               <a:pPr/>
               <a:t>4</a:t>
             </a:fld>
-            <a:endParaRPr lang="de-DE" altLang="de-DE"/>
+            <a:endParaRPr lang="de-DE" altLang="de-DE" dirty="0"/>
           </a:p>
         </p:txBody>
       </p:sp>
@@ -2372,7 +2356,7 @@
           <a:bodyPr/>
           <a:lstStyle/>
           <a:p>
-            <a:endParaRPr lang="en-US"/>
+            <a:endParaRPr lang="en-US" dirty="0"/>
           </a:p>
         </p:txBody>
       </p:sp>
@@ -2396,7 +2380,7 @@
               <a:pPr/>
               <a:t>13</a:t>
             </a:fld>
-            <a:endParaRPr lang="de-DE" altLang="de-DE"/>
+            <a:endParaRPr lang="de-DE" altLang="de-DE" dirty="0"/>
           </a:p>
         </p:txBody>
       </p:sp>
@@ -2457,7 +2441,7 @@
           <a:bodyPr/>
           <a:lstStyle/>
           <a:p>
-            <a:endParaRPr lang="en-US"/>
+            <a:endParaRPr lang="en-US" dirty="0"/>
           </a:p>
         </p:txBody>
       </p:sp>
@@ -2481,7 +2465,7 @@
               <a:pPr/>
               <a:t>14</a:t>
             </a:fld>
-            <a:endParaRPr lang="de-DE" altLang="de-DE"/>
+            <a:endParaRPr lang="de-DE" altLang="de-DE" dirty="0"/>
           </a:p>
         </p:txBody>
       </p:sp>
@@ -2542,7 +2526,7 @@
           <a:bodyPr/>
           <a:lstStyle/>
           <a:p>
-            <a:endParaRPr lang="en-US"/>
+            <a:endParaRPr lang="en-US" dirty="0"/>
           </a:p>
         </p:txBody>
       </p:sp>
@@ -2566,7 +2550,7 @@
               <a:pPr/>
               <a:t>15</a:t>
             </a:fld>
-            <a:endParaRPr lang="de-DE" altLang="de-DE"/>
+            <a:endParaRPr lang="de-DE" altLang="de-DE" dirty="0"/>
           </a:p>
         </p:txBody>
       </p:sp>
@@ -2627,7 +2611,7 @@
           <a:bodyPr/>
           <a:lstStyle/>
           <a:p>
-            <a:endParaRPr lang="en-US"/>
+            <a:endParaRPr lang="en-US" dirty="0"/>
           </a:p>
         </p:txBody>
       </p:sp>
@@ -2651,7 +2635,7 @@
               <a:pPr/>
               <a:t>16</a:t>
             </a:fld>
-            <a:endParaRPr lang="de-DE" altLang="de-DE"/>
+            <a:endParaRPr lang="de-DE" altLang="de-DE" dirty="0"/>
           </a:p>
         </p:txBody>
       </p:sp>
@@ -2712,7 +2696,7 @@
           <a:bodyPr/>
           <a:lstStyle/>
           <a:p>
-            <a:endParaRPr lang="en-US"/>
+            <a:endParaRPr lang="en-US" dirty="0"/>
           </a:p>
         </p:txBody>
       </p:sp>
@@ -2736,7 +2720,7 @@
               <a:pPr/>
               <a:t>17</a:t>
             </a:fld>
-            <a:endParaRPr lang="de-DE" altLang="de-DE"/>
+            <a:endParaRPr lang="de-DE" altLang="de-DE" dirty="0"/>
           </a:p>
         </p:txBody>
       </p:sp>
@@ -2797,7 +2781,7 @@
           <a:bodyPr/>
           <a:lstStyle/>
           <a:p>
-            <a:endParaRPr lang="en-US"/>
+            <a:endParaRPr lang="en-US" dirty="0"/>
           </a:p>
         </p:txBody>
       </p:sp>
@@ -2821,7 +2805,7 @@
               <a:pPr/>
               <a:t>5</a:t>
             </a:fld>
-            <a:endParaRPr lang="de-DE" altLang="de-DE"/>
+            <a:endParaRPr lang="de-DE" altLang="de-DE" dirty="0"/>
           </a:p>
         </p:txBody>
       </p:sp>
@@ -2882,7 +2866,7 @@
           <a:bodyPr/>
           <a:lstStyle/>
           <a:p>
-            <a:endParaRPr lang="en-US"/>
+            <a:endParaRPr lang="en-US" dirty="0"/>
           </a:p>
         </p:txBody>
       </p:sp>
@@ -2906,7 +2890,7 @@
               <a:pPr/>
               <a:t>6</a:t>
             </a:fld>
-            <a:endParaRPr lang="de-DE" altLang="de-DE"/>
+            <a:endParaRPr lang="de-DE" altLang="de-DE" dirty="0"/>
           </a:p>
         </p:txBody>
       </p:sp>
@@ -2967,7 +2951,7 @@
           <a:bodyPr/>
           <a:lstStyle/>
           <a:p>
-            <a:endParaRPr lang="en-US"/>
+            <a:endParaRPr lang="en-US" dirty="0"/>
           </a:p>
         </p:txBody>
       </p:sp>
@@ -2991,7 +2975,7 @@
               <a:pPr/>
               <a:t>7</a:t>
             </a:fld>
-            <a:endParaRPr lang="de-DE" altLang="de-DE"/>
+            <a:endParaRPr lang="de-DE" altLang="de-DE" dirty="0"/>
           </a:p>
         </p:txBody>
       </p:sp>
@@ -3052,7 +3036,7 @@
           <a:bodyPr/>
           <a:lstStyle/>
           <a:p>
-            <a:endParaRPr lang="en-US"/>
+            <a:endParaRPr lang="en-US" dirty="0"/>
           </a:p>
         </p:txBody>
       </p:sp>
@@ -3076,7 +3060,7 @@
               <a:pPr/>
               <a:t>8</a:t>
             </a:fld>
-            <a:endParaRPr lang="de-DE" altLang="de-DE"/>
+            <a:endParaRPr lang="de-DE" altLang="de-DE" dirty="0"/>
           </a:p>
         </p:txBody>
       </p:sp>
@@ -3137,7 +3121,7 @@
           <a:bodyPr/>
           <a:lstStyle/>
           <a:p>
-            <a:endParaRPr lang="en-US"/>
+            <a:endParaRPr lang="en-US" dirty="0"/>
           </a:p>
         </p:txBody>
       </p:sp>
@@ -3161,7 +3145,7 @@
               <a:pPr/>
               <a:t>9</a:t>
             </a:fld>
-            <a:endParaRPr lang="de-DE" altLang="de-DE"/>
+            <a:endParaRPr lang="de-DE" altLang="de-DE" dirty="0"/>
           </a:p>
         </p:txBody>
       </p:sp>
@@ -3222,7 +3206,7 @@
           <a:bodyPr/>
           <a:lstStyle/>
           <a:p>
-            <a:endParaRPr lang="en-US"/>
+            <a:endParaRPr lang="en-US" dirty="0"/>
           </a:p>
         </p:txBody>
       </p:sp>
@@ -3246,7 +3230,7 @@
               <a:pPr/>
               <a:t>10</a:t>
             </a:fld>
-            <a:endParaRPr lang="de-DE" altLang="de-DE"/>
+            <a:endParaRPr lang="de-DE" altLang="de-DE" dirty="0"/>
           </a:p>
         </p:txBody>
       </p:sp>
@@ -3307,7 +3291,7 @@
           <a:bodyPr/>
           <a:lstStyle/>
           <a:p>
-            <a:endParaRPr lang="en-US"/>
+            <a:endParaRPr lang="en-US" dirty="0"/>
           </a:p>
         </p:txBody>
       </p:sp>
@@ -3331,7 +3315,7 @@
               <a:pPr/>
               <a:t>11</a:t>
             </a:fld>
-            <a:endParaRPr lang="de-DE" altLang="de-DE"/>
+            <a:endParaRPr lang="de-DE" altLang="de-DE" dirty="0"/>
           </a:p>
         </p:txBody>
       </p:sp>
@@ -3392,7 +3376,7 @@
           <a:bodyPr/>
           <a:lstStyle/>
           <a:p>
-            <a:endParaRPr lang="en-US"/>
+            <a:endParaRPr lang="en-US" dirty="0"/>
           </a:p>
         </p:txBody>
       </p:sp>
@@ -3416,7 +3400,7 @@
               <a:pPr/>
               <a:t>12</a:t>
             </a:fld>
-            <a:endParaRPr lang="de-DE" altLang="de-DE"/>
+            <a:endParaRPr lang="de-DE" altLang="de-DE" dirty="0"/>
           </a:p>
         </p:txBody>
       </p:sp>
@@ -3791,7 +3775,7 @@
               <a:pPr/>
               <a:t>‹#›</a:t>
             </a:fld>
-            <a:endParaRPr lang="de-DE" altLang="de-DE"/>
+            <a:endParaRPr lang="de-DE" altLang="de-DE" dirty="0"/>
           </a:p>
         </p:txBody>
       </p:sp>
@@ -3820,10 +3804,10 @@
               <a:defRPr/>
             </a:pPr>
             <a:r>
-              <a:rPr lang="en-US"/>
+              <a:rPr lang="en-US" dirty="0"/>
               <a:t>Titel</a:t>
             </a:r>
-            <a:endParaRPr lang="de-DE"/>
+            <a:endParaRPr lang="de-DE" dirty="0"/>
           </a:p>
         </p:txBody>
       </p:sp>
@@ -4197,7 +4181,7 @@
               <a:pPr/>
               <a:t>‹#›</a:t>
             </a:fld>
-            <a:endParaRPr lang="de-DE" altLang="de-DE"/>
+            <a:endParaRPr lang="de-DE" altLang="de-DE" dirty="0"/>
           </a:p>
         </p:txBody>
       </p:sp>
@@ -4226,10 +4210,10 @@
               <a:defRPr/>
             </a:pPr>
             <a:r>
-              <a:rPr lang="en-US"/>
+              <a:rPr lang="en-US" dirty="0"/>
               <a:t>Titel</a:t>
             </a:r>
-            <a:endParaRPr lang="de-DE"/>
+            <a:endParaRPr lang="de-DE" dirty="0"/>
           </a:p>
         </p:txBody>
       </p:sp>
@@ -4461,10 +4445,10 @@
               <a:defRPr/>
             </a:pPr>
             <a:r>
-              <a:rPr lang="en-US"/>
+              <a:rPr lang="en-US" dirty="0"/>
               <a:t>Titel</a:t>
             </a:r>
-            <a:endParaRPr lang="de-DE"/>
+            <a:endParaRPr lang="de-DE" dirty="0"/>
           </a:p>
         </p:txBody>
       </p:sp>
@@ -4577,7 +4561,7 @@
               <a:pPr/>
               <a:t>‹#›</a:t>
             </a:fld>
-            <a:endParaRPr lang="de-DE" altLang="de-DE"/>
+            <a:endParaRPr lang="de-DE" altLang="de-DE" dirty="0"/>
           </a:p>
         </p:txBody>
       </p:sp>
@@ -4831,7 +4815,7 @@
           <a:bodyPr/>
           <a:lstStyle/>
           <a:p>
-            <a:endParaRPr lang="de-AT"/>
+            <a:endParaRPr lang="de-AT" dirty="0"/>
           </a:p>
         </p:txBody>
       </p:sp>
@@ -4872,7 +4856,7 @@
           <a:bodyPr/>
           <a:lstStyle/>
           <a:p>
-            <a:endParaRPr lang="de-AT"/>
+            <a:endParaRPr lang="de-AT" dirty="0"/>
           </a:p>
         </p:txBody>
       </p:sp>
@@ -5662,27 +5646,7 @@
                 <a:latin typeface="+mj-lt"/>
                 <a:cs typeface="Arial" charset="0"/>
               </a:rPr>
-              <a:t>Implementierung und Evaluierung von </a:t>
-            </a:r>
-            <a:r>
-              <a:rPr lang="de-DE" sz="3200" dirty="0" err="1" smtClean="0">
-                <a:solidFill>
-                  <a:srgbClr val="0065BD"/>
-                </a:solidFill>
-                <a:latin typeface="+mj-lt"/>
-                <a:cs typeface="Arial" charset="0"/>
-              </a:rPr>
-              <a:t>Holomorphic</a:t>
-            </a:r>
-            <a:r>
-              <a:rPr lang="de-DE" sz="3200" dirty="0" smtClean="0">
-                <a:solidFill>
-                  <a:srgbClr val="0065BD"/>
-                </a:solidFill>
-                <a:latin typeface="+mj-lt"/>
-                <a:cs typeface="Arial" charset="0"/>
-              </a:rPr>
-              <a:t> Embedding Load Flow</a:t>
+              <a:t>Implementierung und Evaluierung von Holomorphic Embedding Load Flow</a:t>
             </a:r>
           </a:p>
         </p:txBody>
@@ -5977,7 +5941,7 @@
               <a:pPr/>
               <a:t>10</a:t>
             </a:fld>
-            <a:endParaRPr lang="de-DE" altLang="de-DE" sz="1200">
+            <a:endParaRPr lang="de-DE" altLang="de-DE" sz="1200" dirty="0">
               <a:solidFill>
                 <a:schemeClr val="bg2"/>
               </a:solidFill>
@@ -6010,20 +5974,8 @@
               <a:defRPr/>
             </a:pPr>
             <a:r>
-              <a:rPr lang="en-US" dirty="0" err="1" smtClean="0"/>
-              <a:t>Implementierung</a:t>
-            </a:r>
-            <a:r>
               <a:rPr lang="en-US" dirty="0" smtClean="0"/>
-              <a:t> und </a:t>
-            </a:r>
-            <a:r>
-              <a:rPr lang="en-US" dirty="0" err="1" smtClean="0"/>
-              <a:t>Evaluierung</a:t>
-            </a:r>
-            <a:r>
-              <a:rPr lang="en-US" dirty="0" smtClean="0"/>
-              <a:t> von Holomorphic Embedding Load Flow</a:t>
+              <a:t>Implementierung und Evaluierung von Holomorphic Embedding Load Flow</a:t>
             </a:r>
             <a:endParaRPr lang="de-DE" dirty="0"/>
           </a:p>
@@ -7448,7 +7400,7 @@
               <a:pPr/>
               <a:t>11</a:t>
             </a:fld>
-            <a:endParaRPr lang="de-DE" altLang="de-DE" sz="1200">
+            <a:endParaRPr lang="de-DE" altLang="de-DE" sz="1200" dirty="0">
               <a:solidFill>
                 <a:schemeClr val="bg2"/>
               </a:solidFill>
@@ -7481,20 +7433,8 @@
               <a:defRPr/>
             </a:pPr>
             <a:r>
-              <a:rPr lang="en-US" dirty="0" err="1" smtClean="0"/>
-              <a:t>Implementierung</a:t>
-            </a:r>
-            <a:r>
               <a:rPr lang="en-US" dirty="0" smtClean="0"/>
-              <a:t> und </a:t>
-            </a:r>
-            <a:r>
-              <a:rPr lang="en-US" dirty="0" err="1" smtClean="0"/>
-              <a:t>Evaluierung</a:t>
-            </a:r>
-            <a:r>
-              <a:rPr lang="en-US" dirty="0" smtClean="0"/>
-              <a:t> von Holomorphic Embedding Load Flow</a:t>
+              <a:t>Implementierung und Evaluierung von Holomorphic Embedding Load Flow</a:t>
             </a:r>
             <a:endParaRPr lang="de-DE" dirty="0"/>
           </a:p>
@@ -7709,15 +7649,7 @@
               <a:p>
                 <a:r>
                   <a:rPr lang="de-DE" altLang="de-DE" dirty="0" smtClean="0"/>
-                  <a:t>In der Praxis gute Ergebnisse mit </a:t>
-                </a:r>
-                <a:r>
-                  <a:rPr lang="de-DE" altLang="de-DE" dirty="0" err="1" smtClean="0"/>
-                  <a:t>Wynn‘s</a:t>
-                </a:r>
-                <a:r>
-                  <a:rPr lang="de-DE" altLang="de-DE" dirty="0" smtClean="0"/>
-                  <a:t> Epsilon Algorithmus</a:t>
+                  <a:t>In der Praxis gute Ergebnisse mit Wynn‘s Epsilon Algorithmus</a:t>
                 </a:r>
               </a:p>
             </p:txBody>
@@ -7814,12 +7746,8 @@
           <a:lstStyle/>
           <a:p>
             <a:r>
-              <a:rPr lang="de-DE" altLang="de-DE" dirty="0" err="1"/>
-              <a:t>Wynn‘s</a:t>
-            </a:r>
-            <a:r>
               <a:rPr lang="de-DE" altLang="de-DE" dirty="0"/>
-              <a:t> Epsilon Algorithmus</a:t>
+              <a:t>Wynn‘s Epsilon Algorithmus</a:t>
             </a:r>
             <a:endParaRPr lang="de-DE" altLang="de-DE" dirty="0" smtClean="0"/>
           </a:p>
@@ -7976,7 +7904,7 @@
               <a:pPr/>
               <a:t>12</a:t>
             </a:fld>
-            <a:endParaRPr lang="de-DE" altLang="de-DE" sz="1200">
+            <a:endParaRPr lang="de-DE" altLang="de-DE" sz="1200" dirty="0">
               <a:solidFill>
                 <a:schemeClr val="bg2"/>
               </a:solidFill>
@@ -8009,27 +7937,15 @@
               <a:defRPr/>
             </a:pPr>
             <a:r>
-              <a:rPr lang="en-US" dirty="0" err="1" smtClean="0"/>
-              <a:t>Implementierung</a:t>
-            </a:r>
-            <a:r>
               <a:rPr lang="en-US" dirty="0" smtClean="0"/>
-              <a:t> und </a:t>
-            </a:r>
-            <a:r>
-              <a:rPr lang="en-US" dirty="0" err="1" smtClean="0"/>
-              <a:t>Evaluierung</a:t>
-            </a:r>
-            <a:r>
-              <a:rPr lang="en-US" dirty="0" smtClean="0"/>
-              <a:t> von Holomorphic Embedding Load Flow</a:t>
+              <a:t>Implementierung und Evaluierung von Holomorphic Embedding Load Flow</a:t>
             </a:r>
             <a:endParaRPr lang="de-DE" dirty="0"/>
           </a:p>
         </p:txBody>
       </p:sp>
-      <mc:AlternateContent xmlns:mc="http://schemas.openxmlformats.org/markup-compatibility/2006" xmlns:a14="http://schemas.microsoft.com/office/drawing/2010/main">
-        <mc:Choice Requires="a14">
+      <mc:AlternateContent xmlns:mc="http://schemas.openxmlformats.org/markup-compatibility/2006">
+        <mc:Choice xmlns:a14="http://schemas.microsoft.com/office/drawing/2010/main" Requires="a14">
           <p:sp>
             <p:nvSpPr>
               <p:cNvPr id="8" name="Textplatzhalter 2"/>
@@ -8051,11 +7967,15 @@
               <a:lstStyle/>
               <a:p>
                 <a:r>
-                  <a:rPr lang="en-US" altLang="de-DE" dirty="0" smtClean="0"/>
-                  <a:t>Verbessert </a:t>
+                  <a:rPr lang="de-AT" altLang="de-DE" dirty="0" smtClean="0"/>
+                  <a:t>Verbessert</a:t>
                 </a:r>
                 <a:r>
-                  <a:rPr lang="en-US" altLang="de-DE" dirty="0" err="1" smtClean="0"/>
+                  <a:rPr lang="en-US" altLang="de-DE" dirty="0" smtClean="0"/>
+                  <a:t> </a:t>
+                </a:r>
+                <a:r>
+                  <a:rPr lang="de-AT" altLang="de-DE" dirty="0" smtClean="0"/>
                   <a:t>Konvergenz</a:t>
                 </a:r>
                 <a:r>
@@ -8063,7 +7983,7 @@
                   <a:t> </a:t>
                 </a:r>
                 <a:r>
-                  <a:rPr lang="en-US" altLang="de-DE" dirty="0" err="1" smtClean="0"/>
+                  <a:rPr lang="de-AT" altLang="de-DE" dirty="0" smtClean="0"/>
                   <a:t>einer</a:t>
                 </a:r>
                 <a:r>
@@ -8071,26 +7991,29 @@
                   <a:t> </a:t>
                 </a:r>
                 <a:r>
-                  <a:rPr lang="en-US" altLang="de-DE" dirty="0" err="1" smtClean="0"/>
+                  <a:rPr lang="de-AT" altLang="de-DE" dirty="0" smtClean="0"/>
                   <a:t>Reihe</a:t>
                 </a:r>
-                <a:endParaRPr lang="en-US" altLang="de-DE" dirty="0" smtClean="0"/>
               </a:p>
               <a:p>
                 <a:r>
-                  <a:rPr lang="en-US" altLang="de-DE" dirty="0" err="1" smtClean="0"/>
+                  <a:rPr lang="de-AT" altLang="de-DE" dirty="0" smtClean="0"/>
                   <a:t>Berechnung</a:t>
                 </a:r>
                 <a:r>
                   <a:rPr lang="en-US" altLang="de-DE" dirty="0" smtClean="0"/>
-                  <a:t> der </a:t>
+                  <a:t> </a:t>
                 </a:r>
                 <a:r>
-                  <a:rPr lang="en-US" altLang="de-DE" dirty="0" err="1" smtClean="0"/>
+                  <a:rPr lang="en-US" altLang="de-DE" dirty="0" smtClean="0"/>
+                  <a:t>der </a:t>
+                </a:r>
+                <a:r>
+                  <a:rPr lang="de-AT" altLang="de-DE" dirty="0" smtClean="0"/>
                   <a:t>Teilsummen</a:t>
                 </a:r>
                 <a:r>
-                  <a:rPr lang="en-US" altLang="de-DE" dirty="0"/>
+                  <a:rPr lang="en-US" altLang="de-DE" dirty="0" smtClean="0"/>
                   <a:t> </a:t>
                 </a:r>
                 <a14:m>
@@ -8400,7 +8323,7 @@
             </p:txBody>
           </p:sp>
         </mc:Choice>
-        <mc:Fallback xmlns="">
+        <mc:Fallback>
           <p:sp>
             <p:nvSpPr>
               <p:cNvPr id="8" name="Textplatzhalter 2"/>
@@ -8428,7 +8351,7 @@
               <a:lstStyle/>
               <a:p>
                 <a:r>
-                  <a:rPr lang="en-US">
+                  <a:rPr lang="de-DE">
                     <a:noFill/>
                   </a:rPr>
                   <a:t> </a:t>
@@ -8491,12 +8414,8 @@
           <a:lstStyle/>
           <a:p>
             <a:r>
-              <a:rPr lang="de-DE" altLang="de-DE" dirty="0" err="1"/>
-              <a:t>Wynn‘s</a:t>
-            </a:r>
-            <a:r>
               <a:rPr lang="de-DE" altLang="de-DE" dirty="0"/>
-              <a:t> Epsilon Algorithmus</a:t>
+              <a:t>Wynn‘s Epsilon Algorithmus</a:t>
             </a:r>
             <a:endParaRPr lang="de-DE" altLang="de-DE" dirty="0" smtClean="0"/>
           </a:p>
@@ -8653,7 +8572,7 @@
               <a:pPr/>
               <a:t>13</a:t>
             </a:fld>
-            <a:endParaRPr lang="de-DE" altLang="de-DE" sz="1200">
+            <a:endParaRPr lang="de-DE" altLang="de-DE" sz="1200" dirty="0">
               <a:solidFill>
                 <a:schemeClr val="bg2"/>
               </a:solidFill>
@@ -8686,20 +8605,8 @@
               <a:defRPr/>
             </a:pPr>
             <a:r>
-              <a:rPr lang="en-US" dirty="0" err="1" smtClean="0"/>
-              <a:t>Implementierung</a:t>
-            </a:r>
-            <a:r>
               <a:rPr lang="en-US" dirty="0" smtClean="0"/>
-              <a:t> und </a:t>
-            </a:r>
-            <a:r>
-              <a:rPr lang="en-US" dirty="0" err="1" smtClean="0"/>
-              <a:t>Evaluierung</a:t>
-            </a:r>
-            <a:r>
-              <a:rPr lang="en-US" dirty="0" smtClean="0"/>
-              <a:t> von Holomorphic Embedding Load Flow</a:t>
+              <a:t>Implementierung und Evaluierung von Holomorphic Embedding Load Flow</a:t>
             </a:r>
             <a:endParaRPr lang="de-DE" dirty="0"/>
           </a:p>
@@ -9266,7 +9173,7 @@
               <a:pPr/>
               <a:t>14</a:t>
             </a:fld>
-            <a:endParaRPr lang="de-DE" altLang="de-DE" sz="1200">
+            <a:endParaRPr lang="de-DE" altLang="de-DE" sz="1200" dirty="0">
               <a:solidFill>
                 <a:schemeClr val="bg2"/>
               </a:solidFill>
@@ -9299,27 +9206,15 @@
               <a:defRPr/>
             </a:pPr>
             <a:r>
-              <a:rPr lang="en-US" dirty="0" err="1" smtClean="0"/>
-              <a:t>Implementierung</a:t>
-            </a:r>
-            <a:r>
               <a:rPr lang="en-US" dirty="0" smtClean="0"/>
-              <a:t> und </a:t>
-            </a:r>
-            <a:r>
-              <a:rPr lang="en-US" dirty="0" err="1" smtClean="0"/>
-              <a:t>Evaluierung</a:t>
-            </a:r>
-            <a:r>
-              <a:rPr lang="en-US" dirty="0" smtClean="0"/>
-              <a:t> von Holomorphic Embedding Load Flow</a:t>
+              <a:t>Implementierung und Evaluierung von Holomorphic Embedding Load Flow</a:t>
             </a:r>
             <a:endParaRPr lang="de-DE" dirty="0"/>
           </a:p>
         </p:txBody>
       </p:sp>
-      <mc:AlternateContent xmlns:mc="http://schemas.openxmlformats.org/markup-compatibility/2006" xmlns:a14="http://schemas.microsoft.com/office/drawing/2010/main">
-        <mc:Choice Requires="a14">
+      <mc:AlternateContent xmlns:mc="http://schemas.openxmlformats.org/markup-compatibility/2006">
+        <mc:Choice xmlns:a14="http://schemas.microsoft.com/office/drawing/2010/main" Requires="a14">
           <p:sp>
             <p:nvSpPr>
               <p:cNvPr id="8" name="Textplatzhalter 2"/>
@@ -9424,18 +9319,9 @@
                   <a:buAutoNum type="arabicPeriod"/>
                 </a:pPr>
                 <a:r>
-                  <a:rPr lang="en-US" altLang="de-DE" dirty="0" err="1" smtClean="0"/>
-                  <a:t>Lösung</a:t>
+                  <a:rPr lang="de-DE" altLang="de-DE" dirty="0" smtClean="0"/>
+                  <a:t>Lösung des Gleichungssystems</a:t>
                 </a:r>
-                <a:r>
-                  <a:rPr lang="en-US" altLang="de-DE" dirty="0" smtClean="0"/>
-                  <a:t> des </a:t>
-                </a:r>
-                <a:r>
-                  <a:rPr lang="en-US" altLang="de-DE" dirty="0" err="1" smtClean="0"/>
-                  <a:t>Gleichungssystems</a:t>
-                </a:r>
-                <a:endParaRPr lang="en-US" altLang="de-DE" dirty="0" smtClean="0"/>
               </a:p>
               <a:p>
                 <a:pPr marL="457200" indent="-457200">
@@ -9443,18 +9329,9 @@
                   <a:buAutoNum type="arabicPeriod"/>
                 </a:pPr>
                 <a:r>
-                  <a:rPr lang="en-US" altLang="de-DE" dirty="0" err="1" smtClean="0"/>
-                  <a:t>Auswertung</a:t>
+                  <a:rPr lang="de-DE" altLang="de-DE" dirty="0" smtClean="0"/>
+                  <a:t>Auswertung der Spannungsfunktionen</a:t>
                 </a:r>
-                <a:r>
-                  <a:rPr lang="en-US" altLang="de-DE" dirty="0" smtClean="0"/>
-                  <a:t> der </a:t>
-                </a:r>
-                <a:r>
-                  <a:rPr lang="en-US" altLang="de-DE" dirty="0" err="1" smtClean="0"/>
-                  <a:t>Spannungsfunktionen</a:t>
-                </a:r>
-                <a:endParaRPr lang="en-US" altLang="de-DE" dirty="0" smtClean="0"/>
               </a:p>
               <a:p>
                 <a:pPr marL="457200" indent="-457200">
@@ -9462,50 +9339,9 @@
                   <a:buAutoNum type="arabicPeriod"/>
                 </a:pPr>
                 <a:r>
-                  <a:rPr lang="en-US" altLang="de-DE" dirty="0" err="1" smtClean="0"/>
-                  <a:t>Wiederholen</a:t>
+                  <a:rPr lang="de-DE" altLang="de-DE" dirty="0" smtClean="0"/>
+                  <a:t>Wiederholen bis die Lösung ausreichend exakt ist</a:t>
                 </a:r>
-                <a:r>
-                  <a:rPr lang="en-US" altLang="de-DE" dirty="0" smtClean="0"/>
-                  <a:t> </a:t>
-                </a:r>
-                <a:r>
-                  <a:rPr lang="en-US" altLang="de-DE" dirty="0" err="1" smtClean="0"/>
-                  <a:t>bis</a:t>
-                </a:r>
-                <a:r>
-                  <a:rPr lang="en-US" altLang="de-DE" dirty="0" smtClean="0"/>
-                  <a:t> die </a:t>
-                </a:r>
-                <a:r>
-                  <a:rPr lang="en-US" altLang="de-DE" dirty="0" err="1" smtClean="0"/>
-                  <a:t>Lösung</a:t>
-                </a:r>
-                <a:r>
-                  <a:rPr lang="en-US" altLang="de-DE" dirty="0" smtClean="0"/>
-                  <a:t> </a:t>
-                </a:r>
-                <a:r>
-                  <a:rPr lang="en-US" altLang="de-DE" dirty="0" err="1" smtClean="0"/>
-                  <a:t>ausreichend</a:t>
-                </a:r>
-                <a:r>
-                  <a:rPr lang="en-US" altLang="de-DE" dirty="0" smtClean="0"/>
-                  <a:t> </a:t>
-                </a:r>
-                <a:r>
-                  <a:rPr lang="en-US" altLang="de-DE" dirty="0" err="1" smtClean="0"/>
-                  <a:t>exakt</a:t>
-                </a:r>
-                <a:r>
-                  <a:rPr lang="en-US" altLang="de-DE" dirty="0" smtClean="0"/>
-                  <a:t> </a:t>
-                </a:r>
-                <a:r>
-                  <a:rPr lang="en-US" altLang="de-DE" dirty="0" err="1" smtClean="0"/>
-                  <a:t>ist</a:t>
-                </a:r>
-                <a:endParaRPr lang="en-US" altLang="de-DE" dirty="0"/>
               </a:p>
               <a:p>
                 <a:pPr marL="457200" indent="-457200">
@@ -9524,7 +9360,7 @@
             </p:txBody>
           </p:sp>
         </mc:Choice>
-        <mc:Fallback xmlns="">
+        <mc:Fallback>
           <p:sp>
             <p:nvSpPr>
               <p:cNvPr id="8" name="Textplatzhalter 2"/>
@@ -9552,7 +9388,7 @@
               <a:lstStyle/>
               <a:p>
                 <a:r>
-                  <a:rPr lang="en-US">
+                  <a:rPr lang="de-DE">
                     <a:noFill/>
                   </a:rPr>
                   <a:t> </a:t>
@@ -9772,7 +9608,7 @@
               <a:pPr/>
               <a:t>15</a:t>
             </a:fld>
-            <a:endParaRPr lang="de-DE" altLang="de-DE" sz="1200">
+            <a:endParaRPr lang="de-DE" altLang="de-DE" sz="1200" dirty="0">
               <a:solidFill>
                 <a:schemeClr val="bg2"/>
               </a:solidFill>
@@ -9805,27 +9641,15 @@
               <a:defRPr/>
             </a:pPr>
             <a:r>
-              <a:rPr lang="en-US" dirty="0" err="1" smtClean="0"/>
-              <a:t>Implementierung</a:t>
-            </a:r>
-            <a:r>
               <a:rPr lang="en-US" dirty="0" smtClean="0"/>
-              <a:t> und </a:t>
-            </a:r>
-            <a:r>
-              <a:rPr lang="en-US" dirty="0" err="1" smtClean="0"/>
-              <a:t>Evaluierung</a:t>
-            </a:r>
-            <a:r>
-              <a:rPr lang="en-US" dirty="0" smtClean="0"/>
-              <a:t> von Holomorphic Embedding Load Flow</a:t>
+              <a:t>Implementierung und Evaluierung von Holomorphic Embedding Load Flow</a:t>
             </a:r>
             <a:endParaRPr lang="de-DE" dirty="0"/>
           </a:p>
         </p:txBody>
       </p:sp>
-      <mc:AlternateContent xmlns:mc="http://schemas.openxmlformats.org/markup-compatibility/2006" xmlns:a14="http://schemas.microsoft.com/office/drawing/2010/main">
-        <mc:Choice Requires="a14">
+      <mc:AlternateContent xmlns:mc="http://schemas.openxmlformats.org/markup-compatibility/2006">
+        <mc:Choice xmlns:a14="http://schemas.microsoft.com/office/drawing/2010/main" Requires="a14">
           <p:sp>
             <p:nvSpPr>
               <p:cNvPr id="8" name="Textplatzhalter 2"/>
@@ -9949,20 +9773,8 @@
               </a:p>
               <a:p>
                 <a:r>
-                  <a:rPr lang="en-US" altLang="de-DE" b="0" dirty="0" err="1" smtClean="0"/>
-                  <a:t>Korrekte</a:t>
-                </a:r>
-                <a:r>
-                  <a:rPr lang="en-US" altLang="de-DE" b="0" dirty="0" smtClean="0"/>
-                  <a:t> </a:t>
-                </a:r>
-                <a:r>
-                  <a:rPr lang="en-US" altLang="de-DE" b="0" dirty="0" err="1" smtClean="0"/>
-                  <a:t>Lösung</a:t>
-                </a:r>
-                <a:r>
-                  <a:rPr lang="en-US" altLang="de-DE" b="0" dirty="0" smtClean="0"/>
-                  <a:t>: </a:t>
+                  <a:rPr lang="de-DE" altLang="de-DE" b="0" dirty="0" smtClean="0"/>
+                  <a:t>Korrekte Lösung: </a:t>
                 </a:r>
                 <a14:m>
                   <m:oMath xmlns:m="http://schemas.openxmlformats.org/officeDocument/2006/math">
@@ -10149,7 +9961,7 @@
             </p:txBody>
           </p:sp>
         </mc:Choice>
-        <mc:Fallback xmlns="">
+        <mc:Fallback>
           <p:sp>
             <p:nvSpPr>
               <p:cNvPr id="8" name="Textplatzhalter 2"/>
@@ -10177,7 +9989,7 @@
               <a:lstStyle/>
               <a:p>
                 <a:r>
-                  <a:rPr lang="en-US">
+                  <a:rPr lang="de-DE">
                     <a:noFill/>
                   </a:rPr>
                   <a:t> </a:t>
@@ -10421,7 +10233,7 @@
               <a:pPr/>
               <a:t>16</a:t>
             </a:fld>
-            <a:endParaRPr lang="de-DE" altLang="de-DE" sz="1200">
+            <a:endParaRPr lang="de-DE" altLang="de-DE" sz="1200" dirty="0">
               <a:solidFill>
                 <a:schemeClr val="bg2"/>
               </a:solidFill>
@@ -10454,20 +10266,8 @@
               <a:defRPr/>
             </a:pPr>
             <a:r>
-              <a:rPr lang="en-US" dirty="0" err="1" smtClean="0"/>
-              <a:t>Implementierung</a:t>
-            </a:r>
-            <a:r>
               <a:rPr lang="en-US" dirty="0" smtClean="0"/>
-              <a:t> und </a:t>
-            </a:r>
-            <a:r>
-              <a:rPr lang="en-US" dirty="0" err="1" smtClean="0"/>
-              <a:t>Evaluierung</a:t>
-            </a:r>
-            <a:r>
-              <a:rPr lang="en-US" dirty="0" smtClean="0"/>
-              <a:t> von Holomorphic Embedding Load Flow</a:t>
+              <a:t>Implementierung und Evaluierung von Holomorphic Embedding Load Flow</a:t>
             </a:r>
             <a:endParaRPr lang="de-DE" dirty="0"/>
           </a:p>
@@ -10856,7 +10656,7 @@
               <a:pPr/>
               <a:t>17</a:t>
             </a:fld>
-            <a:endParaRPr lang="de-DE" altLang="de-DE" sz="1200">
+            <a:endParaRPr lang="de-DE" altLang="de-DE" sz="1200" dirty="0">
               <a:solidFill>
                 <a:schemeClr val="bg2"/>
               </a:solidFill>
@@ -10889,20 +10689,8 @@
               <a:defRPr/>
             </a:pPr>
             <a:r>
-              <a:rPr lang="en-US" dirty="0" err="1" smtClean="0"/>
-              <a:t>Implementierung</a:t>
-            </a:r>
-            <a:r>
               <a:rPr lang="en-US" dirty="0" smtClean="0"/>
-              <a:t> und </a:t>
-            </a:r>
-            <a:r>
-              <a:rPr lang="en-US" dirty="0" err="1" smtClean="0"/>
-              <a:t>Evaluierung</a:t>
-            </a:r>
-            <a:r>
-              <a:rPr lang="en-US" dirty="0" smtClean="0"/>
-              <a:t> von Holomorphic Embedding Load Flow</a:t>
+              <a:t>Implementierung und Evaluierung von Holomorphic Embedding Load Flow</a:t>
             </a:r>
             <a:endParaRPr lang="de-DE" dirty="0"/>
           </a:p>
@@ -10915,7 +10703,7 @@
           <p:nvPr>
             <p:extLst>
               <p:ext uri="{D42A27DB-BD31-4B8C-83A1-F6EECF244321}">
-                <p14:modId xmlns:p14="http://schemas.microsoft.com/office/powerpoint/2010/main" val="4114739125"/>
+                <p14:modId xmlns:p14="http://schemas.microsoft.com/office/powerpoint/2010/main" val="3447864169"/>
               </p:ext>
             </p:extLst>
           </p:nvPr>
@@ -11146,7 +10934,7 @@
               <a:pPr/>
               <a:t>18</a:t>
             </a:fld>
-            <a:endParaRPr lang="de-DE" altLang="de-DE" sz="1200">
+            <a:endParaRPr lang="de-DE" altLang="de-DE" sz="1200" dirty="0">
               <a:solidFill>
                 <a:schemeClr val="bg2"/>
               </a:solidFill>
@@ -11179,20 +10967,8 @@
               <a:defRPr/>
             </a:pPr>
             <a:r>
-              <a:rPr lang="en-US" dirty="0" err="1" smtClean="0"/>
-              <a:t>Implementierung</a:t>
-            </a:r>
-            <a:r>
               <a:rPr lang="en-US" dirty="0" smtClean="0"/>
-              <a:t> und </a:t>
-            </a:r>
-            <a:r>
-              <a:rPr lang="en-US" dirty="0" err="1" smtClean="0"/>
-              <a:t>Evaluierung</a:t>
-            </a:r>
-            <a:r>
-              <a:rPr lang="en-US" dirty="0" smtClean="0"/>
-              <a:t> von Holomorphic Embedding Load Flow</a:t>
+              <a:t>Implementierung und Evaluierung von Holomorphic Embedding Load Flow</a:t>
             </a:r>
             <a:endParaRPr lang="de-DE" dirty="0"/>
           </a:p>
@@ -11228,15 +11004,19 @@
               <a:t>HELM </a:t>
             </a:r>
             <a:r>
-              <a:rPr lang="en-US" altLang="de-DE" dirty="0" err="1" smtClean="0"/>
+              <a:rPr lang="de-DE" altLang="de-DE" dirty="0" smtClean="0"/>
               <a:t>ist</a:t>
             </a:r>
             <a:r>
               <a:rPr lang="en-US" altLang="de-DE" dirty="0" smtClean="0"/>
-              <a:t> in der </a:t>
+              <a:t> </a:t>
             </a:r>
             <a:r>
-              <a:rPr lang="en-US" altLang="de-DE" dirty="0" err="1" smtClean="0"/>
+              <a:rPr lang="en-US" altLang="de-DE" dirty="0" smtClean="0"/>
+              <a:t>in der </a:t>
+            </a:r>
+            <a:r>
+              <a:rPr lang="de-DE" altLang="de-DE" dirty="0" smtClean="0"/>
               <a:t>Lage</a:t>
             </a:r>
             <a:r>
@@ -11244,120 +11024,19 @@
               <a:t> </a:t>
             </a:r>
             <a:r>
-              <a:rPr lang="en-US" altLang="de-DE" dirty="0" err="1" smtClean="0"/>
-              <a:t>Netze</a:t>
-            </a:r>
-            <a:r>
-              <a:rPr lang="en-US" altLang="de-DE" dirty="0" smtClean="0"/>
-              <a:t> </a:t>
-            </a:r>
-            <a:r>
-              <a:rPr lang="en-US" altLang="de-DE" dirty="0" err="1" smtClean="0"/>
-              <a:t>beliebig</a:t>
-            </a:r>
-            <a:r>
-              <a:rPr lang="en-US" altLang="de-DE" dirty="0" smtClean="0"/>
-              <a:t> </a:t>
-            </a:r>
-            <a:r>
-              <a:rPr lang="en-US" altLang="de-DE" dirty="0" err="1" smtClean="0"/>
-              <a:t>nahe</a:t>
-            </a:r>
-            <a:r>
-              <a:rPr lang="en-US" altLang="de-DE" dirty="0" smtClean="0"/>
-              <a:t> an der </a:t>
-            </a:r>
-            <a:r>
-              <a:rPr lang="en-US" altLang="de-DE" dirty="0" err="1" smtClean="0"/>
-              <a:t>Stabilitätsgrenze</a:t>
-            </a:r>
-            <a:r>
-              <a:rPr lang="en-US" altLang="de-DE" dirty="0" smtClean="0"/>
-              <a:t> </a:t>
-            </a:r>
-            <a:r>
-              <a:rPr lang="en-US" altLang="de-DE" dirty="0" err="1" smtClean="0"/>
-              <a:t>zu</a:t>
-            </a:r>
-            <a:r>
-              <a:rPr lang="en-US" altLang="de-DE" dirty="0" smtClean="0"/>
-              <a:t> </a:t>
-            </a:r>
-            <a:r>
-              <a:rPr lang="en-US" altLang="de-DE" dirty="0" err="1" smtClean="0"/>
-              <a:t>berechnen</a:t>
-            </a:r>
-            <a:endParaRPr lang="en-US" altLang="de-DE" dirty="0" smtClean="0"/>
-          </a:p>
-          <a:p>
-            <a:r>
-              <a:rPr lang="en-US" altLang="de-DE" dirty="0" err="1" smtClean="0"/>
-              <a:t>Deutliche</a:t>
-            </a:r>
-            <a:r>
-              <a:rPr lang="en-US" altLang="de-DE" dirty="0" smtClean="0"/>
-              <a:t> </a:t>
-            </a:r>
-            <a:r>
-              <a:rPr lang="en-US" altLang="de-DE" dirty="0" err="1" smtClean="0"/>
-              <a:t>Verbesserung</a:t>
-            </a:r>
-            <a:r>
-              <a:rPr lang="en-US" altLang="de-DE" dirty="0" smtClean="0"/>
-              <a:t> des </a:t>
-            </a:r>
-            <a:r>
-              <a:rPr lang="en-US" altLang="de-DE" dirty="0" err="1" smtClean="0"/>
-              <a:t>Konvergenzverhaltens</a:t>
-            </a:r>
-            <a:r>
-              <a:rPr lang="en-US" altLang="de-DE" dirty="0" smtClean="0"/>
-              <a:t> </a:t>
-            </a:r>
-            <a:r>
-              <a:rPr lang="en-US" altLang="de-DE" dirty="0" err="1" smtClean="0"/>
-              <a:t>benötigt</a:t>
-            </a:r>
-            <a:r>
-              <a:rPr lang="en-US" altLang="de-DE" dirty="0" smtClean="0"/>
-              <a:t> </a:t>
-            </a:r>
-            <a:r>
-              <a:rPr lang="en-US" altLang="de-DE" dirty="0" err="1" smtClean="0"/>
-              <a:t>einen</a:t>
-            </a:r>
-            <a:r>
-              <a:rPr lang="en-US" altLang="de-DE" dirty="0" smtClean="0"/>
-              <a:t> </a:t>
-            </a:r>
-            <a:r>
-              <a:rPr lang="en-US" altLang="de-DE" dirty="0" err="1" smtClean="0"/>
-              <a:t>genaueren</a:t>
-            </a:r>
-            <a:r>
-              <a:rPr lang="en-US" altLang="de-DE" dirty="0" smtClean="0"/>
-              <a:t> </a:t>
-            </a:r>
-            <a:r>
-              <a:rPr lang="en-US" altLang="de-DE" dirty="0" err="1" smtClean="0"/>
-              <a:t>Gleitkommadatentyp</a:t>
-            </a:r>
-            <a:r>
-              <a:rPr lang="en-US" altLang="de-DE" dirty="0" smtClean="0"/>
-              <a:t> </a:t>
-            </a:r>
-            <a:r>
-              <a:rPr lang="en-US" altLang="de-DE" dirty="0" err="1" smtClean="0"/>
-              <a:t>als</a:t>
-            </a:r>
-            <a:r>
-              <a:rPr lang="en-US" altLang="de-DE" dirty="0" smtClean="0"/>
-              <a:t> double</a:t>
+              <a:rPr lang="de-DE" altLang="de-DE" dirty="0" smtClean="0"/>
+              <a:t>Netze beliebig nahe an der Stabilitätsgrenze zu berechnen</a:t>
             </a:r>
           </a:p>
           <a:p>
             <a:r>
-              <a:rPr lang="en-US" altLang="de-DE" dirty="0" err="1" smtClean="0"/>
+              <a:rPr lang="de-DE" altLang="de-DE" dirty="0" smtClean="0"/>
+              <a:t>Deutliche Verbesserung des Konvergenzverhaltens benötigt einen genaueren Gleitkommadatentyp als double</a:t>
+            </a:r>
+          </a:p>
+          <a:p>
+            <a:r>
+              <a:rPr lang="de-DE" altLang="de-DE" dirty="0" smtClean="0"/>
               <a:t>Bei</a:t>
             </a:r>
             <a:r>
@@ -11365,7 +11044,7 @@
               <a:t> </a:t>
             </a:r>
             <a:r>
-              <a:rPr lang="en-US" altLang="de-DE" dirty="0" err="1" smtClean="0"/>
+              <a:rPr lang="de-DE" altLang="de-DE" dirty="0" smtClean="0"/>
               <a:t>Verwendung</a:t>
             </a:r>
             <a:r>
@@ -11373,82 +11052,10 @@
               <a:t> </a:t>
             </a:r>
             <a:r>
-              <a:rPr lang="en-US" altLang="de-DE" dirty="0" err="1" smtClean="0"/>
-              <a:t>eines</a:t>
+              <a:rPr lang="de-DE" altLang="de-DE" dirty="0" smtClean="0"/>
+              <a:t>eines double ist sowohl die Rechenzeit als auch das Konvergenzverhalten ähnlich den iterativen Verfahren</a:t>
             </a:r>
-            <a:r>
-              <a:rPr lang="en-US" altLang="de-DE" dirty="0" smtClean="0"/>
-              <a:t> double </a:t>
-            </a:r>
-            <a:r>
-              <a:rPr lang="en-US" altLang="de-DE" dirty="0" err="1" smtClean="0"/>
-              <a:t>ist</a:t>
-            </a:r>
-            <a:r>
-              <a:rPr lang="en-US" altLang="de-DE" dirty="0" smtClean="0"/>
-              <a:t> </a:t>
-            </a:r>
-            <a:r>
-              <a:rPr lang="en-US" altLang="de-DE" dirty="0" err="1" smtClean="0"/>
-              <a:t>sowohl</a:t>
-            </a:r>
-            <a:r>
-              <a:rPr lang="en-US" altLang="de-DE" dirty="0" smtClean="0"/>
-              <a:t> die </a:t>
-            </a:r>
-            <a:r>
-              <a:rPr lang="en-US" altLang="de-DE" dirty="0" err="1" smtClean="0"/>
-              <a:t>Rechenzeit</a:t>
-            </a:r>
-            <a:r>
-              <a:rPr lang="en-US" altLang="de-DE" dirty="0" smtClean="0"/>
-              <a:t> </a:t>
-            </a:r>
-            <a:r>
-              <a:rPr lang="en-US" altLang="de-DE" dirty="0" err="1" smtClean="0"/>
-              <a:t>als</a:t>
-            </a:r>
-            <a:r>
-              <a:rPr lang="en-US" altLang="de-DE" dirty="0" smtClean="0"/>
-              <a:t> </a:t>
-            </a:r>
-            <a:r>
-              <a:rPr lang="en-US" altLang="de-DE" dirty="0" err="1" smtClean="0"/>
-              <a:t>auch</a:t>
-            </a:r>
-            <a:r>
-              <a:rPr lang="en-US" altLang="de-DE" dirty="0" smtClean="0"/>
-              <a:t> das </a:t>
-            </a:r>
-            <a:r>
-              <a:rPr lang="en-US" altLang="de-DE" dirty="0" err="1" smtClean="0"/>
-              <a:t>Konvergenzverhalten</a:t>
-            </a:r>
-            <a:r>
-              <a:rPr lang="en-US" altLang="de-DE" dirty="0" smtClean="0"/>
-              <a:t> </a:t>
-            </a:r>
-            <a:r>
-              <a:rPr lang="en-US" altLang="de-DE" dirty="0" err="1" smtClean="0"/>
-              <a:t>ähnlich</a:t>
-            </a:r>
-            <a:r>
-              <a:rPr lang="en-US" altLang="de-DE" dirty="0" smtClean="0"/>
-              <a:t> den </a:t>
-            </a:r>
-            <a:r>
-              <a:rPr lang="en-US" altLang="de-DE" dirty="0" err="1" smtClean="0"/>
-              <a:t>iterativen</a:t>
-            </a:r>
-            <a:r>
-              <a:rPr lang="en-US" altLang="de-DE" dirty="0" smtClean="0"/>
-              <a:t> </a:t>
-            </a:r>
-            <a:r>
-              <a:rPr lang="en-US" altLang="de-DE" dirty="0" err="1" smtClean="0"/>
-              <a:t>Verfahren</a:t>
-            </a:r>
-            <a:endParaRPr lang="en-US" altLang="de-DE" dirty="0" smtClean="0"/>
+            <a:endParaRPr lang="de-DE" altLang="de-DE" dirty="0" smtClean="0"/>
           </a:p>
         </p:txBody>
       </p:sp>
@@ -11483,82 +11090,13 @@
               <a:buChar char="•"/>
             </a:pPr>
             <a:r>
-              <a:rPr lang="en-US" altLang="de-DE" dirty="0" err="1">
+              <a:rPr lang="de-DE" altLang="de-DE" dirty="0" smtClean="0">
                 <a:solidFill>
                   <a:schemeClr val="bg2"/>
                 </a:solidFill>
               </a:rPr>
-              <a:t>Implementierung</a:t>
+              <a:t>Implementierung des Parsers für das Dateiformat von SINCAL ist abgeschlossen</a:t>
             </a:r>
-            <a:r>
-              <a:rPr lang="en-US" altLang="de-DE" dirty="0">
-                <a:solidFill>
-                  <a:schemeClr val="bg2"/>
-                </a:solidFill>
-              </a:rPr>
-              <a:t> des Parsers </a:t>
-            </a:r>
-            <a:r>
-              <a:rPr lang="en-US" altLang="de-DE" dirty="0" err="1">
-                <a:solidFill>
-                  <a:schemeClr val="bg2"/>
-                </a:solidFill>
-              </a:rPr>
-              <a:t>für</a:t>
-            </a:r>
-            <a:r>
-              <a:rPr lang="en-US" altLang="de-DE" dirty="0">
-                <a:solidFill>
-                  <a:schemeClr val="bg2"/>
-                </a:solidFill>
-              </a:rPr>
-              <a:t> das </a:t>
-            </a:r>
-            <a:r>
-              <a:rPr lang="en-US" altLang="de-DE" dirty="0" err="1">
-                <a:solidFill>
-                  <a:schemeClr val="bg2"/>
-                </a:solidFill>
-              </a:rPr>
-              <a:t>Dateiformat</a:t>
-            </a:r>
-            <a:r>
-              <a:rPr lang="en-US" altLang="de-DE" dirty="0">
-                <a:solidFill>
-                  <a:schemeClr val="bg2"/>
-                </a:solidFill>
-              </a:rPr>
-              <a:t> von SINCAL </a:t>
-            </a:r>
-            <a:r>
-              <a:rPr lang="en-US" altLang="de-DE" dirty="0" err="1">
-                <a:solidFill>
-                  <a:schemeClr val="bg2"/>
-                </a:solidFill>
-              </a:rPr>
-              <a:t>ist</a:t>
-            </a:r>
-            <a:r>
-              <a:rPr lang="en-US" altLang="de-DE" dirty="0">
-                <a:solidFill>
-                  <a:schemeClr val="bg2"/>
-                </a:solidFill>
-              </a:rPr>
-              <a:t> </a:t>
-            </a:r>
-            <a:r>
-              <a:rPr lang="en-US" altLang="de-DE" dirty="0" err="1">
-                <a:solidFill>
-                  <a:schemeClr val="bg2"/>
-                </a:solidFill>
-              </a:rPr>
-              <a:t>abgeschlossen</a:t>
-            </a:r>
-            <a:endParaRPr lang="en-US" altLang="de-DE" dirty="0">
-              <a:solidFill>
-                <a:schemeClr val="bg2"/>
-              </a:solidFill>
-            </a:endParaRPr>
           </a:p>
           <a:p>
             <a:pPr marL="342900" indent="-342900" algn="l">
@@ -11566,92 +11104,12 @@
               <a:buChar char="•"/>
             </a:pPr>
             <a:r>
-              <a:rPr lang="en-US" altLang="de-DE" i="1" dirty="0" err="1">
+              <a:rPr lang="de-DE" altLang="de-DE" i="1" dirty="0" smtClean="0">
                 <a:solidFill>
                   <a:schemeClr val="bg2"/>
                 </a:solidFill>
               </a:rPr>
-              <a:t>Berechnung</a:t>
-            </a:r>
-            <a:r>
-              <a:rPr lang="en-US" altLang="de-DE" i="1" dirty="0">
-                <a:solidFill>
-                  <a:schemeClr val="bg2"/>
-                </a:solidFill>
-              </a:rPr>
-              <a:t> des </a:t>
-            </a:r>
-            <a:r>
-              <a:rPr lang="en-US" altLang="de-DE" i="1" dirty="0" err="1">
-                <a:solidFill>
-                  <a:schemeClr val="bg2"/>
-                </a:solidFill>
-              </a:rPr>
-              <a:t>deutschen</a:t>
-            </a:r>
-            <a:r>
-              <a:rPr lang="en-US" altLang="de-DE" i="1" dirty="0">
-                <a:solidFill>
-                  <a:schemeClr val="bg2"/>
-                </a:solidFill>
-              </a:rPr>
-              <a:t> </a:t>
-            </a:r>
-            <a:r>
-              <a:rPr lang="en-US" altLang="de-DE" i="1" dirty="0" err="1">
-                <a:solidFill>
-                  <a:schemeClr val="bg2"/>
-                </a:solidFill>
-              </a:rPr>
-              <a:t>Übertragungsnetzes</a:t>
-            </a:r>
-            <a:r>
-              <a:rPr lang="en-US" altLang="de-DE" i="1" dirty="0">
-                <a:solidFill>
-                  <a:schemeClr val="bg2"/>
-                </a:solidFill>
-              </a:rPr>
-              <a:t> </a:t>
-            </a:r>
-            <a:r>
-              <a:rPr lang="en-US" altLang="de-DE" i="1" dirty="0" err="1">
-                <a:solidFill>
-                  <a:schemeClr val="bg2"/>
-                </a:solidFill>
-              </a:rPr>
-              <a:t>steht</a:t>
-            </a:r>
-            <a:r>
-              <a:rPr lang="en-US" altLang="de-DE" i="1" dirty="0">
-                <a:solidFill>
-                  <a:schemeClr val="bg2"/>
-                </a:solidFill>
-              </a:rPr>
-              <a:t> </a:t>
-            </a:r>
-            <a:r>
-              <a:rPr lang="en-US" altLang="de-DE" i="1" dirty="0" err="1">
-                <a:solidFill>
-                  <a:schemeClr val="bg2"/>
-                </a:solidFill>
-              </a:rPr>
-              <a:t>noch</a:t>
-            </a:r>
-            <a:r>
-              <a:rPr lang="en-US" altLang="de-DE" i="1" dirty="0">
-                <a:solidFill>
-                  <a:schemeClr val="bg2"/>
-                </a:solidFill>
-              </a:rPr>
-              <a:t> </a:t>
-            </a:r>
-            <a:r>
-              <a:rPr lang="en-US" altLang="de-DE" i="1" dirty="0" err="1">
-                <a:solidFill>
-                  <a:schemeClr val="bg2"/>
-                </a:solidFill>
-              </a:rPr>
-              <a:t>aus</a:t>
+              <a:t>Berechnung des deutschen Übertragungsnetzes steht noch aus</a:t>
             </a:r>
             <a:endParaRPr lang="de-DE" altLang="de-DE" i="1" dirty="0">
               <a:solidFill>
@@ -11882,7 +11340,7 @@
               <a:pPr/>
               <a:t>19</a:t>
             </a:fld>
-            <a:endParaRPr lang="de-DE" altLang="de-DE" sz="1200">
+            <a:endParaRPr lang="de-DE" altLang="de-DE" sz="1200" dirty="0">
               <a:solidFill>
                 <a:schemeClr val="bg2"/>
               </a:solidFill>
@@ -12108,20 +11566,8 @@
               <a:defRPr/>
             </a:pPr>
             <a:r>
-              <a:rPr lang="en-US" dirty="0" err="1" smtClean="0"/>
-              <a:t>Implementierung</a:t>
-            </a:r>
-            <a:r>
               <a:rPr lang="en-US" dirty="0" smtClean="0"/>
-              <a:t> und </a:t>
-            </a:r>
-            <a:r>
-              <a:rPr lang="en-US" dirty="0" err="1" smtClean="0"/>
-              <a:t>Evaluierung</a:t>
-            </a:r>
-            <a:r>
-              <a:rPr lang="en-US" dirty="0" smtClean="0"/>
-              <a:t> von Holomorphic Embedding Load Flow</a:t>
+              <a:t>Implementierung und Evaluierung von Holomorphic Embedding Load Flow</a:t>
             </a:r>
             <a:endParaRPr lang="de-DE" dirty="0"/>
           </a:p>
@@ -12223,12 +11669,8 @@
               </a:lnSpc>
             </a:pPr>
             <a:r>
-              <a:rPr lang="de-DE" altLang="de-DE" dirty="0" err="1" smtClean="0"/>
-              <a:t>Holomorphic</a:t>
-            </a:r>
-            <a:r>
               <a:rPr lang="de-DE" altLang="de-DE" dirty="0" smtClean="0"/>
-              <a:t> Embedding Load Flow (HELM)</a:t>
+              <a:t>Holomorphic Embedding Load Flow (HELM)</a:t>
             </a:r>
           </a:p>
           <a:p>
@@ -12406,7 +11848,7 @@
               <a:pPr/>
               <a:t>2</a:t>
             </a:fld>
-            <a:endParaRPr lang="de-DE" altLang="de-DE" sz="1200">
+            <a:endParaRPr lang="de-DE" altLang="de-DE" sz="1200" dirty="0">
               <a:solidFill>
                 <a:schemeClr val="bg2"/>
               </a:solidFill>
@@ -12434,20 +11876,8 @@
               <a:defRPr/>
             </a:pPr>
             <a:r>
-              <a:rPr lang="en-US" dirty="0" err="1" smtClean="0"/>
-              <a:t>Implementierung</a:t>
-            </a:r>
-            <a:r>
               <a:rPr lang="en-US" dirty="0" smtClean="0"/>
-              <a:t> und </a:t>
-            </a:r>
-            <a:r>
-              <a:rPr lang="en-US" dirty="0" err="1" smtClean="0"/>
-              <a:t>Evaluierung</a:t>
-            </a:r>
-            <a:r>
-              <a:rPr lang="en-US" dirty="0" smtClean="0"/>
-              <a:t> von Holomorphic Embedding Load Flow</a:t>
+              <a:t>Implementierung und Evaluierung von Holomorphic Embedding Load Flow</a:t>
             </a:r>
             <a:endParaRPr lang="de-DE" dirty="0"/>
           </a:p>
@@ -12535,15 +11965,7 @@
           <a:p>
             <a:r>
               <a:rPr lang="de-DE" altLang="de-DE" dirty="0" smtClean="0"/>
-              <a:t>Iterative Verfahren können (theoretisch) gegen </a:t>
-            </a:r>
-            <a:r>
-              <a:rPr lang="de-DE" altLang="de-DE" dirty="0" err="1" smtClean="0"/>
-              <a:t>unphysikalische</a:t>
-            </a:r>
-            <a:r>
-              <a:rPr lang="de-DE" altLang="de-DE" dirty="0" smtClean="0"/>
-              <a:t> Lösungen konvergieren</a:t>
+              <a:t>Iterative Verfahren können (theoretisch) gegen unphysikalische Lösungen konvergieren</a:t>
             </a:r>
           </a:p>
           <a:p>
@@ -12711,7 +12133,7 @@
               <a:pPr/>
               <a:t>3</a:t>
             </a:fld>
-            <a:endParaRPr lang="de-DE" altLang="de-DE" sz="1200">
+            <a:endParaRPr lang="de-DE" altLang="de-DE" sz="1200" dirty="0">
               <a:solidFill>
                 <a:schemeClr val="bg2"/>
               </a:solidFill>
@@ -12744,20 +12166,8 @@
               <a:defRPr/>
             </a:pPr>
             <a:r>
-              <a:rPr lang="en-US" dirty="0" err="1" smtClean="0"/>
-              <a:t>Implementierung</a:t>
-            </a:r>
-            <a:r>
               <a:rPr lang="en-US" dirty="0" smtClean="0"/>
-              <a:t> und </a:t>
-            </a:r>
-            <a:r>
-              <a:rPr lang="en-US" dirty="0" err="1" smtClean="0"/>
-              <a:t>Evaluierung</a:t>
-            </a:r>
-            <a:r>
-              <a:rPr lang="en-US" dirty="0" smtClean="0"/>
-              <a:t> von Holomorphic Embedding Load Flow</a:t>
+              <a:t>Implementierung und Evaluierung von Holomorphic Embedding Load Flow</a:t>
             </a:r>
             <a:endParaRPr lang="de-DE" dirty="0"/>
           </a:p>
@@ -13273,7 +12683,7 @@
               <a:pPr/>
               <a:t>4</a:t>
             </a:fld>
-            <a:endParaRPr lang="de-DE" altLang="de-DE" sz="1200">
+            <a:endParaRPr lang="de-DE" altLang="de-DE" sz="1200" dirty="0">
               <a:solidFill>
                 <a:schemeClr val="bg2"/>
               </a:solidFill>
@@ -13306,20 +12716,8 @@
               <a:defRPr/>
             </a:pPr>
             <a:r>
-              <a:rPr lang="en-US" dirty="0" err="1" smtClean="0"/>
-              <a:t>Implementierung</a:t>
-            </a:r>
-            <a:r>
               <a:rPr lang="en-US" dirty="0" smtClean="0"/>
-              <a:t> und </a:t>
-            </a:r>
-            <a:r>
-              <a:rPr lang="en-US" dirty="0" err="1" smtClean="0"/>
-              <a:t>Evaluierung</a:t>
-            </a:r>
-            <a:r>
-              <a:rPr lang="en-US" dirty="0" smtClean="0"/>
-              <a:t> von Holomorphic Embedding Load Flow</a:t>
+              <a:t>Implementierung und Evaluierung von Holomorphic Embedding Load Flow</a:t>
             </a:r>
             <a:endParaRPr lang="de-DE" dirty="0"/>
           </a:p>
@@ -13358,15 +12756,7 @@
             </a:r>
             <a:r>
               <a:rPr lang="en-US" sz="1400" dirty="0"/>
-              <a:t>A. </a:t>
-            </a:r>
-            <a:r>
-              <a:rPr lang="en-US" sz="1400" dirty="0" err="1"/>
-              <a:t>Trias</a:t>
-            </a:r>
-            <a:r>
-              <a:rPr lang="en-US" sz="1400" dirty="0"/>
-              <a:t>, </a:t>
+              <a:t>A. Trias, </a:t>
             </a:r>
             <a:r>
               <a:rPr lang="en-US" sz="1400" i="1" dirty="0"/>
@@ -13639,7 +13029,7 @@
               <a:pPr/>
               <a:t>5</a:t>
             </a:fld>
-            <a:endParaRPr lang="de-DE" altLang="de-DE" sz="1200">
+            <a:endParaRPr lang="de-DE" altLang="de-DE" sz="1200" dirty="0">
               <a:solidFill>
                 <a:schemeClr val="bg2"/>
               </a:solidFill>
@@ -13672,20 +13062,8 @@
               <a:defRPr/>
             </a:pPr>
             <a:r>
-              <a:rPr lang="en-US" dirty="0" err="1" smtClean="0"/>
-              <a:t>Implementierung</a:t>
-            </a:r>
-            <a:r>
               <a:rPr lang="en-US" dirty="0" smtClean="0"/>
-              <a:t> und </a:t>
-            </a:r>
-            <a:r>
-              <a:rPr lang="en-US" dirty="0" err="1" smtClean="0"/>
-              <a:t>Evaluierung</a:t>
-            </a:r>
-            <a:r>
-              <a:rPr lang="en-US" dirty="0" smtClean="0"/>
-              <a:t> von Holomorphic Embedding Load Flow</a:t>
+              <a:t>Implementierung und Evaluierung von Holomorphic Embedding Load Flow</a:t>
             </a:r>
             <a:endParaRPr lang="de-DE" dirty="0"/>
           </a:p>
@@ -14052,15 +13430,7 @@
           <a:p>
             <a:r>
               <a:rPr lang="de-DE" altLang="de-DE" dirty="0" smtClean="0"/>
-              <a:t>Embedding eines Parameter s, so dass die Spannungsfunktionen </a:t>
-            </a:r>
-            <a:r>
-              <a:rPr lang="de-DE" altLang="de-DE" dirty="0" err="1" smtClean="0"/>
-              <a:t>holomorph</a:t>
-            </a:r>
-            <a:r>
-              <a:rPr lang="de-DE" altLang="de-DE" dirty="0" smtClean="0"/>
-              <a:t> sind</a:t>
+              <a:t>Embedding eines Parameter s, so dass die Spannungsfunktionen holomorph sind</a:t>
             </a:r>
           </a:p>
         </p:txBody>
@@ -14544,8 +13914,8 @@
           </p:sp>
         </mc:Fallback>
       </mc:AlternateContent>
-      <mc:AlternateContent xmlns:mc="http://schemas.openxmlformats.org/markup-compatibility/2006">
-        <mc:Choice xmlns:a14="http://schemas.microsoft.com/office/drawing/2010/main" Requires="a14">
+      <mc:AlternateContent xmlns:mc="http://schemas.openxmlformats.org/markup-compatibility/2006" xmlns:a14="http://schemas.microsoft.com/office/drawing/2010/main">
+        <mc:Choice Requires="a14">
           <p:sp>
             <p:nvSpPr>
               <p:cNvPr id="2" name="TextBox 1"/>
@@ -14695,7 +14065,7 @@
             </p:txBody>
           </p:sp>
         </mc:Choice>
-        <mc:Fallback>
+        <mc:Fallback xmlns="">
           <p:sp>
             <p:nvSpPr>
               <p:cNvPr id="2" name="TextBox 1"/>
@@ -14971,7 +14341,7 @@
               <a:pPr/>
               <a:t>6</a:t>
             </a:fld>
-            <a:endParaRPr lang="de-DE" altLang="de-DE" sz="1200">
+            <a:endParaRPr lang="de-DE" altLang="de-DE" sz="1200" dirty="0">
               <a:solidFill>
                 <a:schemeClr val="bg2"/>
               </a:solidFill>
@@ -15004,20 +14374,8 @@
               <a:defRPr/>
             </a:pPr>
             <a:r>
-              <a:rPr lang="en-US" dirty="0" err="1" smtClean="0"/>
-              <a:t>Implementierung</a:t>
-            </a:r>
-            <a:r>
               <a:rPr lang="en-US" dirty="0" smtClean="0"/>
-              <a:t> und </a:t>
-            </a:r>
-            <a:r>
-              <a:rPr lang="en-US" dirty="0" err="1" smtClean="0"/>
-              <a:t>Evaluierung</a:t>
-            </a:r>
-            <a:r>
-              <a:rPr lang="en-US" dirty="0" smtClean="0"/>
-              <a:t> von Holomorphic Embedding Load Flow</a:t>
+              <a:t>Implementierung und Evaluierung von Holomorphic Embedding Load Flow</a:t>
             </a:r>
             <a:endParaRPr lang="de-DE" dirty="0"/>
           </a:p>
@@ -15385,15 +14743,7 @@
           <a:p>
             <a:r>
               <a:rPr lang="de-DE" altLang="de-DE" dirty="0" smtClean="0"/>
-              <a:t>Da die Spannungsfunktionen </a:t>
-            </a:r>
-            <a:r>
-              <a:rPr lang="de-DE" altLang="de-DE" dirty="0" err="1" smtClean="0"/>
-              <a:t>holomorph</a:t>
-            </a:r>
-            <a:r>
-              <a:rPr lang="de-DE" altLang="de-DE" dirty="0" smtClean="0"/>
-              <a:t> sind entfällt der Nebenteil</a:t>
+              <a:t>Da die Spannungsfunktionen holomorph sind entfällt der Nebenteil</a:t>
             </a:r>
           </a:p>
         </p:txBody>
@@ -16254,7 +15604,7 @@
               <a:pPr/>
               <a:t>7</a:t>
             </a:fld>
-            <a:endParaRPr lang="de-DE" altLang="de-DE" sz="1200">
+            <a:endParaRPr lang="de-DE" altLang="de-DE" sz="1200" dirty="0">
               <a:solidFill>
                 <a:schemeClr val="bg2"/>
               </a:solidFill>
@@ -16287,20 +15637,8 @@
               <a:defRPr/>
             </a:pPr>
             <a:r>
-              <a:rPr lang="en-US" dirty="0" err="1" smtClean="0"/>
-              <a:t>Implementierung</a:t>
-            </a:r>
-            <a:r>
               <a:rPr lang="en-US" dirty="0" smtClean="0"/>
-              <a:t> und </a:t>
-            </a:r>
-            <a:r>
-              <a:rPr lang="en-US" dirty="0" err="1" smtClean="0"/>
-              <a:t>Evaluierung</a:t>
-            </a:r>
-            <a:r>
-              <a:rPr lang="en-US" dirty="0" smtClean="0"/>
-              <a:t> von Holomorphic Embedding Load Flow</a:t>
+              <a:t>Implementierung und Evaluierung von Holomorphic Embedding Load Flow</a:t>
             </a:r>
             <a:endParaRPr lang="de-DE" dirty="0"/>
           </a:p>
@@ -16965,15 +16303,7 @@
             </a:pPr>
             <a:r>
               <a:rPr lang="de-DE" altLang="de-DE" dirty="0" smtClean="0"/>
-              <a:t>Für einen </a:t>
-            </a:r>
-            <a:r>
-              <a:rPr lang="de-DE" altLang="de-DE" dirty="0" err="1" smtClean="0"/>
-              <a:t>Koeffizientenvergleich</a:t>
-            </a:r>
-            <a:r>
-              <a:rPr lang="de-DE" altLang="de-DE" dirty="0" smtClean="0"/>
-              <a:t> muss die inverse Reihe ersetzt werden.</a:t>
+              <a:t>Für einen Koeffizientenvergleich muss die inverse Reihe ersetzt werden.</a:t>
             </a:r>
           </a:p>
         </p:txBody>
@@ -17215,7 +16545,7 @@
               <a:pPr/>
               <a:t>8</a:t>
             </a:fld>
-            <a:endParaRPr lang="de-DE" altLang="de-DE" sz="1200">
+            <a:endParaRPr lang="de-DE" altLang="de-DE" sz="1200" dirty="0">
               <a:solidFill>
                 <a:schemeClr val="bg2"/>
               </a:solidFill>
@@ -17248,20 +16578,8 @@
               <a:defRPr/>
             </a:pPr>
             <a:r>
-              <a:rPr lang="en-US" dirty="0" err="1" smtClean="0"/>
-              <a:t>Implementierung</a:t>
-            </a:r>
-            <a:r>
               <a:rPr lang="en-US" dirty="0" smtClean="0"/>
-              <a:t> und </a:t>
-            </a:r>
-            <a:r>
-              <a:rPr lang="en-US" dirty="0" err="1" smtClean="0"/>
-              <a:t>Evaluierung</a:t>
-            </a:r>
-            <a:r>
-              <a:rPr lang="en-US" dirty="0" smtClean="0"/>
-              <a:t> von Holomorphic Embedding Load Flow</a:t>
+              <a:t>Implementierung und Evaluierung von Holomorphic Embedding Load Flow</a:t>
             </a:r>
             <a:endParaRPr lang="de-DE" dirty="0"/>
           </a:p>
@@ -18443,10 +17761,9 @@
           <a:lstStyle/>
           <a:p>
             <a:r>
-              <a:rPr lang="de-DE" altLang="de-DE" dirty="0" err="1" smtClean="0"/>
+              <a:rPr lang="de-DE" altLang="de-DE" dirty="0" smtClean="0"/>
               <a:t>Koeffizientenvergleich</a:t>
             </a:r>
-            <a:endParaRPr lang="de-DE" altLang="de-DE" dirty="0" smtClean="0"/>
           </a:p>
         </p:txBody>
       </p:sp>
@@ -18601,7 +17918,7 @@
               <a:pPr/>
               <a:t>9</a:t>
             </a:fld>
-            <a:endParaRPr lang="de-DE" altLang="de-DE" sz="1200">
+            <a:endParaRPr lang="de-DE" altLang="de-DE" sz="1200" dirty="0">
               <a:solidFill>
                 <a:schemeClr val="bg2"/>
               </a:solidFill>
@@ -18634,20 +17951,8 @@
               <a:defRPr/>
             </a:pPr>
             <a:r>
-              <a:rPr lang="en-US" dirty="0" err="1" smtClean="0"/>
-              <a:t>Implementierung</a:t>
-            </a:r>
-            <a:r>
               <a:rPr lang="en-US" dirty="0" smtClean="0"/>
-              <a:t> und </a:t>
-            </a:r>
-            <a:r>
-              <a:rPr lang="en-US" dirty="0" err="1" smtClean="0"/>
-              <a:t>Evaluierung</a:t>
-            </a:r>
-            <a:r>
-              <a:rPr lang="en-US" dirty="0" smtClean="0"/>
-              <a:t> von Holomorphic Embedding Load Flow</a:t>
+              <a:t>Implementierung und Evaluierung von Holomorphic Embedding Load Flow</a:t>
             </a:r>
             <a:endParaRPr lang="de-DE" dirty="0"/>
           </a:p>
